--- a/OJT分享 vuex/演示文稿1.pptx
+++ b/OJT分享 vuex/演示文稿1.pptx
@@ -1,19 +1,19 @@
 
 <file path=ppt/presentation.xml><?xml version="1.0" encoding="utf-8"?>
-<p:presentation xmlns:a="http://schemas.openxmlformats.org/drawingml/2006/main" xmlns:r="http://schemas.openxmlformats.org/officeDocument/2006/relationships" xmlns:p="http://schemas.openxmlformats.org/presentationml/2006/main" saveSubsetFonts="1">
+<p:presentation xmlns:a="http://schemas.openxmlformats.org/drawingml/2006/main" xmlns:r="http://schemas.openxmlformats.org/officeDocument/2006/relationships" xmlns:p="http://schemas.openxmlformats.org/presentationml/2006/main">
   <p:sldMasterIdLst>
     <p:sldMasterId id="2147483648" r:id="rId1"/>
   </p:sldMasterIdLst>
   <p:sldIdLst>
-    <p:sldId id="256" r:id="rId2"/>
-    <p:sldId id="257" r:id="rId3"/>
-    <p:sldId id="258" r:id="rId4"/>
-    <p:sldId id="259" r:id="rId5"/>
-    <p:sldId id="260" r:id="rId6"/>
-    <p:sldId id="261" r:id="rId7"/>
-    <p:sldId id="262" r:id="rId8"/>
-    <p:sldId id="263" r:id="rId9"/>
-    <p:sldId id="264" r:id="rId10"/>
+    <p:sldId id="256" r:id="rId3"/>
+    <p:sldId id="257" r:id="rId4"/>
+    <p:sldId id="258" r:id="rId5"/>
+    <p:sldId id="259" r:id="rId6"/>
+    <p:sldId id="260" r:id="rId7"/>
+    <p:sldId id="261" r:id="rId8"/>
+    <p:sldId id="262" r:id="rId9"/>
+    <p:sldId id="263" r:id="rId10"/>
+    <p:sldId id="264" r:id="rId11"/>
   </p:sldIdLst>
   <p:sldSz cx="12192000" cy="6858000"/>
   <p:notesSz cx="6858000" cy="9144000"/>
@@ -134,13 +134,7 @@
       </p:grpSpPr>
       <p:sp>
         <p:nvSpPr>
-          <p:cNvPr id="2" name="标题 1">
-            <a:extLst>
-              <a:ext uri="{FF2B5EF4-FFF2-40B4-BE49-F238E27FC236}">
-                <a16:creationId xmlns:a16="http://schemas.microsoft.com/office/drawing/2014/main" id="{565B207D-2555-4C17-9EEC-C7A6EBE70487}"/>
-              </a:ext>
-            </a:extLst>
-          </p:cNvPr>
+          <p:cNvPr id="2" name="标题 1"/>
           <p:cNvSpPr>
             <a:spLocks noGrp="1"/>
           </p:cNvSpPr>
@@ -166,18 +160,13 @@
               <a:rPr lang="zh-CN" altLang="en-US"/>
               <a:t>单击此处编辑母版标题样式</a:t>
             </a:r>
-          </a:p>
-        </p:txBody>
-      </p:sp>
-      <p:sp>
-        <p:nvSpPr>
-          <p:cNvPr id="3" name="副标题 2">
-            <a:extLst>
-              <a:ext uri="{FF2B5EF4-FFF2-40B4-BE49-F238E27FC236}">
-                <a16:creationId xmlns:a16="http://schemas.microsoft.com/office/drawing/2014/main" id="{34C1DDB3-EDA2-4CFF-8C69-6F3520A656F1}"/>
-              </a:ext>
-            </a:extLst>
-          </p:cNvPr>
+            <a:endParaRPr lang="zh-CN" altLang="en-US"/>
+          </a:p>
+        </p:txBody>
+      </p:sp>
+      <p:sp>
+        <p:nvSpPr>
+          <p:cNvPr id="3" name="副标题 2"/>
           <p:cNvSpPr>
             <a:spLocks noGrp="1"/>
           </p:cNvSpPr>
@@ -236,18 +225,13 @@
               <a:rPr lang="zh-CN" altLang="en-US"/>
               <a:t>单击此处编辑母版副标题样式</a:t>
             </a:r>
-          </a:p>
-        </p:txBody>
-      </p:sp>
-      <p:sp>
-        <p:nvSpPr>
-          <p:cNvPr id="4" name="日期占位符 3">
-            <a:extLst>
-              <a:ext uri="{FF2B5EF4-FFF2-40B4-BE49-F238E27FC236}">
-                <a16:creationId xmlns:a16="http://schemas.microsoft.com/office/drawing/2014/main" id="{B9354CD7-D1D2-43AB-A038-93F6BB8458B6}"/>
-              </a:ext>
-            </a:extLst>
-          </p:cNvPr>
+            <a:endParaRPr lang="zh-CN" altLang="en-US"/>
+          </a:p>
+        </p:txBody>
+      </p:sp>
+      <p:sp>
+        <p:nvSpPr>
+          <p:cNvPr id="4" name="日期占位符 3"/>
           <p:cNvSpPr>
             <a:spLocks noGrp="1"/>
           </p:cNvSpPr>
@@ -262,7 +246,6 @@
           <a:p>
             <a:fld id="{758F48FE-55B7-4EE7-A7A0-D8F3CA9538A1}" type="datetimeFigureOut">
               <a:rPr lang="zh-CN" altLang="en-US" smtClean="0"/>
-              <a:t>2021/3/21</a:t>
             </a:fld>
             <a:endParaRPr lang="zh-CN" altLang="en-US"/>
           </a:p>
@@ -270,13 +253,7 @@
       </p:sp>
       <p:sp>
         <p:nvSpPr>
-          <p:cNvPr id="5" name="页脚占位符 4">
-            <a:extLst>
-              <a:ext uri="{FF2B5EF4-FFF2-40B4-BE49-F238E27FC236}">
-                <a16:creationId xmlns:a16="http://schemas.microsoft.com/office/drawing/2014/main" id="{75C06CB6-00EF-47F9-A338-A275B70EC82C}"/>
-              </a:ext>
-            </a:extLst>
-          </p:cNvPr>
+          <p:cNvPr id="5" name="页脚占位符 4"/>
           <p:cNvSpPr>
             <a:spLocks noGrp="1"/>
           </p:cNvSpPr>
@@ -295,13 +272,7 @@
       </p:sp>
       <p:sp>
         <p:nvSpPr>
-          <p:cNvPr id="6" name="灯片编号占位符 5">
-            <a:extLst>
-              <a:ext uri="{FF2B5EF4-FFF2-40B4-BE49-F238E27FC236}">
-                <a16:creationId xmlns:a16="http://schemas.microsoft.com/office/drawing/2014/main" id="{3DA16BBB-1072-4526-9773-FA496355D9FE}"/>
-              </a:ext>
-            </a:extLst>
-          </p:cNvPr>
+          <p:cNvPr id="6" name="灯片编号占位符 5"/>
           <p:cNvSpPr>
             <a:spLocks noGrp="1"/>
           </p:cNvSpPr>
@@ -316,18 +287,12 @@
           <a:p>
             <a:fld id="{E65615FC-1B50-4D4A-8FCD-281AE2C006F8}" type="slidenum">
               <a:rPr lang="zh-CN" altLang="en-US" smtClean="0"/>
-              <a:t>‹#›</a:t>
             </a:fld>
             <a:endParaRPr lang="zh-CN" altLang="en-US"/>
           </a:p>
         </p:txBody>
       </p:sp>
     </p:spTree>
-    <p:extLst>
-      <p:ext uri="{BB962C8B-B14F-4D97-AF65-F5344CB8AC3E}">
-        <p14:creationId xmlns:p14="http://schemas.microsoft.com/office/powerpoint/2010/main" val="2322980034"/>
-      </p:ext>
-    </p:extLst>
   </p:cSld>
   <p:clrMapOvr>
     <a:masterClrMapping/>
@@ -354,13 +319,7 @@
       </p:grpSpPr>
       <p:sp>
         <p:nvSpPr>
-          <p:cNvPr id="2" name="标题 1">
-            <a:extLst>
-              <a:ext uri="{FF2B5EF4-FFF2-40B4-BE49-F238E27FC236}">
-                <a16:creationId xmlns:a16="http://schemas.microsoft.com/office/drawing/2014/main" id="{AF968611-1FF8-495F-957A-2A31CE18734A}"/>
-              </a:ext>
-            </a:extLst>
-          </p:cNvPr>
+          <p:cNvPr id="2" name="标题 1"/>
           <p:cNvSpPr>
             <a:spLocks noGrp="1"/>
           </p:cNvSpPr>
@@ -377,18 +336,13 @@
               <a:rPr lang="zh-CN" altLang="en-US"/>
               <a:t>单击此处编辑母版标题样式</a:t>
             </a:r>
-          </a:p>
-        </p:txBody>
-      </p:sp>
-      <p:sp>
-        <p:nvSpPr>
-          <p:cNvPr id="3" name="竖排文字占位符 2">
-            <a:extLst>
-              <a:ext uri="{FF2B5EF4-FFF2-40B4-BE49-F238E27FC236}">
-                <a16:creationId xmlns:a16="http://schemas.microsoft.com/office/drawing/2014/main" id="{F29B3EDE-D4B6-43D6-90C8-F30394D4496F}"/>
-              </a:ext>
-            </a:extLst>
-          </p:cNvPr>
+            <a:endParaRPr lang="zh-CN" altLang="en-US"/>
+          </a:p>
+        </p:txBody>
+      </p:sp>
+      <p:sp>
+        <p:nvSpPr>
+          <p:cNvPr id="3" name="竖排文字占位符 2"/>
           <p:cNvSpPr>
             <a:spLocks noGrp="1"/>
           </p:cNvSpPr>
@@ -406,6 +360,7 @@
               <a:rPr lang="zh-CN" altLang="en-US"/>
               <a:t>单击此处编辑母版文本样式</a:t>
             </a:r>
+            <a:endParaRPr lang="zh-CN" altLang="en-US"/>
           </a:p>
           <a:p>
             <a:pPr lvl="1"/>
@@ -413,6 +368,7 @@
               <a:rPr lang="zh-CN" altLang="en-US"/>
               <a:t>二级</a:t>
             </a:r>
+            <a:endParaRPr lang="zh-CN" altLang="en-US"/>
           </a:p>
           <a:p>
             <a:pPr lvl="2"/>
@@ -420,6 +376,7 @@
               <a:rPr lang="zh-CN" altLang="en-US"/>
               <a:t>三级</a:t>
             </a:r>
+            <a:endParaRPr lang="zh-CN" altLang="en-US"/>
           </a:p>
           <a:p>
             <a:pPr lvl="3"/>
@@ -427,6 +384,7 @@
               <a:rPr lang="zh-CN" altLang="en-US"/>
               <a:t>四级</a:t>
             </a:r>
+            <a:endParaRPr lang="zh-CN" altLang="en-US"/>
           </a:p>
           <a:p>
             <a:pPr lvl="4"/>
@@ -434,18 +392,13 @@
               <a:rPr lang="zh-CN" altLang="en-US"/>
               <a:t>五级</a:t>
             </a:r>
-          </a:p>
-        </p:txBody>
-      </p:sp>
-      <p:sp>
-        <p:nvSpPr>
-          <p:cNvPr id="4" name="日期占位符 3">
-            <a:extLst>
-              <a:ext uri="{FF2B5EF4-FFF2-40B4-BE49-F238E27FC236}">
-                <a16:creationId xmlns:a16="http://schemas.microsoft.com/office/drawing/2014/main" id="{85377324-91E7-415A-955B-EDBD3999E1A6}"/>
-              </a:ext>
-            </a:extLst>
-          </p:cNvPr>
+            <a:endParaRPr lang="zh-CN" altLang="en-US"/>
+          </a:p>
+        </p:txBody>
+      </p:sp>
+      <p:sp>
+        <p:nvSpPr>
+          <p:cNvPr id="4" name="日期占位符 3"/>
           <p:cNvSpPr>
             <a:spLocks noGrp="1"/>
           </p:cNvSpPr>
@@ -460,7 +413,6 @@
           <a:p>
             <a:fld id="{758F48FE-55B7-4EE7-A7A0-D8F3CA9538A1}" type="datetimeFigureOut">
               <a:rPr lang="zh-CN" altLang="en-US" smtClean="0"/>
-              <a:t>2021/3/21</a:t>
             </a:fld>
             <a:endParaRPr lang="zh-CN" altLang="en-US"/>
           </a:p>
@@ -468,13 +420,7 @@
       </p:sp>
       <p:sp>
         <p:nvSpPr>
-          <p:cNvPr id="5" name="页脚占位符 4">
-            <a:extLst>
-              <a:ext uri="{FF2B5EF4-FFF2-40B4-BE49-F238E27FC236}">
-                <a16:creationId xmlns:a16="http://schemas.microsoft.com/office/drawing/2014/main" id="{C96E1E22-2DF8-4396-9B27-48740982EA6C}"/>
-              </a:ext>
-            </a:extLst>
-          </p:cNvPr>
+          <p:cNvPr id="5" name="页脚占位符 4"/>
           <p:cNvSpPr>
             <a:spLocks noGrp="1"/>
           </p:cNvSpPr>
@@ -493,13 +439,7 @@
       </p:sp>
       <p:sp>
         <p:nvSpPr>
-          <p:cNvPr id="6" name="灯片编号占位符 5">
-            <a:extLst>
-              <a:ext uri="{FF2B5EF4-FFF2-40B4-BE49-F238E27FC236}">
-                <a16:creationId xmlns:a16="http://schemas.microsoft.com/office/drawing/2014/main" id="{F6286C9D-39B5-44F6-BFD1-1E9994CA6E29}"/>
-              </a:ext>
-            </a:extLst>
-          </p:cNvPr>
+          <p:cNvPr id="6" name="灯片编号占位符 5"/>
           <p:cNvSpPr>
             <a:spLocks noGrp="1"/>
           </p:cNvSpPr>
@@ -514,18 +454,12 @@
           <a:p>
             <a:fld id="{E65615FC-1B50-4D4A-8FCD-281AE2C006F8}" type="slidenum">
               <a:rPr lang="zh-CN" altLang="en-US" smtClean="0"/>
-              <a:t>‹#›</a:t>
             </a:fld>
             <a:endParaRPr lang="zh-CN" altLang="en-US"/>
           </a:p>
         </p:txBody>
       </p:sp>
     </p:spTree>
-    <p:extLst>
-      <p:ext uri="{BB962C8B-B14F-4D97-AF65-F5344CB8AC3E}">
-        <p14:creationId xmlns:p14="http://schemas.microsoft.com/office/powerpoint/2010/main" val="2956229489"/>
-      </p:ext>
-    </p:extLst>
   </p:cSld>
   <p:clrMapOvr>
     <a:masterClrMapping/>
@@ -552,13 +486,7 @@
       </p:grpSpPr>
       <p:sp>
         <p:nvSpPr>
-          <p:cNvPr id="2" name="竖排标题 1">
-            <a:extLst>
-              <a:ext uri="{FF2B5EF4-FFF2-40B4-BE49-F238E27FC236}">
-                <a16:creationId xmlns:a16="http://schemas.microsoft.com/office/drawing/2014/main" id="{86BFE9FD-D7EE-4688-B586-E581DD0906B7}"/>
-              </a:ext>
-            </a:extLst>
-          </p:cNvPr>
+          <p:cNvPr id="2" name="竖排标题 1"/>
           <p:cNvSpPr>
             <a:spLocks noGrp="1"/>
           </p:cNvSpPr>
@@ -580,18 +508,13 @@
               <a:rPr lang="zh-CN" altLang="en-US"/>
               <a:t>单击此处编辑母版标题样式</a:t>
             </a:r>
-          </a:p>
-        </p:txBody>
-      </p:sp>
-      <p:sp>
-        <p:nvSpPr>
-          <p:cNvPr id="3" name="竖排文字占位符 2">
-            <a:extLst>
-              <a:ext uri="{FF2B5EF4-FFF2-40B4-BE49-F238E27FC236}">
-                <a16:creationId xmlns:a16="http://schemas.microsoft.com/office/drawing/2014/main" id="{8BE06952-9470-4AF5-B3ED-44F19FDAB90F}"/>
-              </a:ext>
-            </a:extLst>
-          </p:cNvPr>
+            <a:endParaRPr lang="zh-CN" altLang="en-US"/>
+          </a:p>
+        </p:txBody>
+      </p:sp>
+      <p:sp>
+        <p:nvSpPr>
+          <p:cNvPr id="3" name="竖排文字占位符 2"/>
           <p:cNvSpPr>
             <a:spLocks noGrp="1"/>
           </p:cNvSpPr>
@@ -614,6 +537,7 @@
               <a:rPr lang="zh-CN" altLang="en-US"/>
               <a:t>单击此处编辑母版文本样式</a:t>
             </a:r>
+            <a:endParaRPr lang="zh-CN" altLang="en-US"/>
           </a:p>
           <a:p>
             <a:pPr lvl="1"/>
@@ -621,6 +545,7 @@
               <a:rPr lang="zh-CN" altLang="en-US"/>
               <a:t>二级</a:t>
             </a:r>
+            <a:endParaRPr lang="zh-CN" altLang="en-US"/>
           </a:p>
           <a:p>
             <a:pPr lvl="2"/>
@@ -628,6 +553,7 @@
               <a:rPr lang="zh-CN" altLang="en-US"/>
               <a:t>三级</a:t>
             </a:r>
+            <a:endParaRPr lang="zh-CN" altLang="en-US"/>
           </a:p>
           <a:p>
             <a:pPr lvl="3"/>
@@ -635,6 +561,7 @@
               <a:rPr lang="zh-CN" altLang="en-US"/>
               <a:t>四级</a:t>
             </a:r>
+            <a:endParaRPr lang="zh-CN" altLang="en-US"/>
           </a:p>
           <a:p>
             <a:pPr lvl="4"/>
@@ -642,18 +569,13 @@
               <a:rPr lang="zh-CN" altLang="en-US"/>
               <a:t>五级</a:t>
             </a:r>
-          </a:p>
-        </p:txBody>
-      </p:sp>
-      <p:sp>
-        <p:nvSpPr>
-          <p:cNvPr id="4" name="日期占位符 3">
-            <a:extLst>
-              <a:ext uri="{FF2B5EF4-FFF2-40B4-BE49-F238E27FC236}">
-                <a16:creationId xmlns:a16="http://schemas.microsoft.com/office/drawing/2014/main" id="{D0626390-8FBF-403E-AD5C-0F4135AF8ED7}"/>
-              </a:ext>
-            </a:extLst>
-          </p:cNvPr>
+            <a:endParaRPr lang="zh-CN" altLang="en-US"/>
+          </a:p>
+        </p:txBody>
+      </p:sp>
+      <p:sp>
+        <p:nvSpPr>
+          <p:cNvPr id="4" name="日期占位符 3"/>
           <p:cNvSpPr>
             <a:spLocks noGrp="1"/>
           </p:cNvSpPr>
@@ -668,7 +590,6 @@
           <a:p>
             <a:fld id="{758F48FE-55B7-4EE7-A7A0-D8F3CA9538A1}" type="datetimeFigureOut">
               <a:rPr lang="zh-CN" altLang="en-US" smtClean="0"/>
-              <a:t>2021/3/21</a:t>
             </a:fld>
             <a:endParaRPr lang="zh-CN" altLang="en-US"/>
           </a:p>
@@ -676,13 +597,7 @@
       </p:sp>
       <p:sp>
         <p:nvSpPr>
-          <p:cNvPr id="5" name="页脚占位符 4">
-            <a:extLst>
-              <a:ext uri="{FF2B5EF4-FFF2-40B4-BE49-F238E27FC236}">
-                <a16:creationId xmlns:a16="http://schemas.microsoft.com/office/drawing/2014/main" id="{D8D92051-5321-419D-AA09-564AE4B55BF0}"/>
-              </a:ext>
-            </a:extLst>
-          </p:cNvPr>
+          <p:cNvPr id="5" name="页脚占位符 4"/>
           <p:cNvSpPr>
             <a:spLocks noGrp="1"/>
           </p:cNvSpPr>
@@ -701,13 +616,7 @@
       </p:sp>
       <p:sp>
         <p:nvSpPr>
-          <p:cNvPr id="6" name="灯片编号占位符 5">
-            <a:extLst>
-              <a:ext uri="{FF2B5EF4-FFF2-40B4-BE49-F238E27FC236}">
-                <a16:creationId xmlns:a16="http://schemas.microsoft.com/office/drawing/2014/main" id="{70B91975-3071-477A-BED5-2D3F752CF0B7}"/>
-              </a:ext>
-            </a:extLst>
-          </p:cNvPr>
+          <p:cNvPr id="6" name="灯片编号占位符 5"/>
           <p:cNvSpPr>
             <a:spLocks noGrp="1"/>
           </p:cNvSpPr>
@@ -722,18 +631,12 @@
           <a:p>
             <a:fld id="{E65615FC-1B50-4D4A-8FCD-281AE2C006F8}" type="slidenum">
               <a:rPr lang="zh-CN" altLang="en-US" smtClean="0"/>
-              <a:t>‹#›</a:t>
             </a:fld>
             <a:endParaRPr lang="zh-CN" altLang="en-US"/>
           </a:p>
         </p:txBody>
       </p:sp>
     </p:spTree>
-    <p:extLst>
-      <p:ext uri="{BB962C8B-B14F-4D97-AF65-F5344CB8AC3E}">
-        <p14:creationId xmlns:p14="http://schemas.microsoft.com/office/powerpoint/2010/main" val="4240473346"/>
-      </p:ext>
-    </p:extLst>
   </p:cSld>
   <p:clrMapOvr>
     <a:masterClrMapping/>
@@ -760,13 +663,7 @@
       </p:grpSpPr>
       <p:sp>
         <p:nvSpPr>
-          <p:cNvPr id="2" name="标题 1">
-            <a:extLst>
-              <a:ext uri="{FF2B5EF4-FFF2-40B4-BE49-F238E27FC236}">
-                <a16:creationId xmlns:a16="http://schemas.microsoft.com/office/drawing/2014/main" id="{E0A923D5-4F32-437D-BEFC-D5292336E2DA}"/>
-              </a:ext>
-            </a:extLst>
-          </p:cNvPr>
+          <p:cNvPr id="2" name="标题 1"/>
           <p:cNvSpPr>
             <a:spLocks noGrp="1"/>
           </p:cNvSpPr>
@@ -783,18 +680,13 @@
               <a:rPr lang="zh-CN" altLang="en-US"/>
               <a:t>单击此处编辑母版标题样式</a:t>
             </a:r>
-          </a:p>
-        </p:txBody>
-      </p:sp>
-      <p:sp>
-        <p:nvSpPr>
-          <p:cNvPr id="3" name="内容占位符 2">
-            <a:extLst>
-              <a:ext uri="{FF2B5EF4-FFF2-40B4-BE49-F238E27FC236}">
-                <a16:creationId xmlns:a16="http://schemas.microsoft.com/office/drawing/2014/main" id="{B48E4154-9156-4D38-ADF5-A4ACFB123435}"/>
-              </a:ext>
-            </a:extLst>
-          </p:cNvPr>
+            <a:endParaRPr lang="zh-CN" altLang="en-US"/>
+          </a:p>
+        </p:txBody>
+      </p:sp>
+      <p:sp>
+        <p:nvSpPr>
+          <p:cNvPr id="3" name="内容占位符 2"/>
           <p:cNvSpPr>
             <a:spLocks noGrp="1"/>
           </p:cNvSpPr>
@@ -812,6 +704,7 @@
               <a:rPr lang="zh-CN" altLang="en-US"/>
               <a:t>单击此处编辑母版文本样式</a:t>
             </a:r>
+            <a:endParaRPr lang="zh-CN" altLang="en-US"/>
           </a:p>
           <a:p>
             <a:pPr lvl="1"/>
@@ -819,6 +712,7 @@
               <a:rPr lang="zh-CN" altLang="en-US"/>
               <a:t>二级</a:t>
             </a:r>
+            <a:endParaRPr lang="zh-CN" altLang="en-US"/>
           </a:p>
           <a:p>
             <a:pPr lvl="2"/>
@@ -826,6 +720,7 @@
               <a:rPr lang="zh-CN" altLang="en-US"/>
               <a:t>三级</a:t>
             </a:r>
+            <a:endParaRPr lang="zh-CN" altLang="en-US"/>
           </a:p>
           <a:p>
             <a:pPr lvl="3"/>
@@ -833,6 +728,7 @@
               <a:rPr lang="zh-CN" altLang="en-US"/>
               <a:t>四级</a:t>
             </a:r>
+            <a:endParaRPr lang="zh-CN" altLang="en-US"/>
           </a:p>
           <a:p>
             <a:pPr lvl="4"/>
@@ -840,18 +736,13 @@
               <a:rPr lang="zh-CN" altLang="en-US"/>
               <a:t>五级</a:t>
             </a:r>
-          </a:p>
-        </p:txBody>
-      </p:sp>
-      <p:sp>
-        <p:nvSpPr>
-          <p:cNvPr id="4" name="日期占位符 3">
-            <a:extLst>
-              <a:ext uri="{FF2B5EF4-FFF2-40B4-BE49-F238E27FC236}">
-                <a16:creationId xmlns:a16="http://schemas.microsoft.com/office/drawing/2014/main" id="{EAA02668-2A45-4A36-B740-089276A29B52}"/>
-              </a:ext>
-            </a:extLst>
-          </p:cNvPr>
+            <a:endParaRPr lang="zh-CN" altLang="en-US"/>
+          </a:p>
+        </p:txBody>
+      </p:sp>
+      <p:sp>
+        <p:nvSpPr>
+          <p:cNvPr id="4" name="日期占位符 3"/>
           <p:cNvSpPr>
             <a:spLocks noGrp="1"/>
           </p:cNvSpPr>
@@ -866,7 +757,6 @@
           <a:p>
             <a:fld id="{758F48FE-55B7-4EE7-A7A0-D8F3CA9538A1}" type="datetimeFigureOut">
               <a:rPr lang="zh-CN" altLang="en-US" smtClean="0"/>
-              <a:t>2021/3/21</a:t>
             </a:fld>
             <a:endParaRPr lang="zh-CN" altLang="en-US"/>
           </a:p>
@@ -874,13 +764,7 @@
       </p:sp>
       <p:sp>
         <p:nvSpPr>
-          <p:cNvPr id="5" name="页脚占位符 4">
-            <a:extLst>
-              <a:ext uri="{FF2B5EF4-FFF2-40B4-BE49-F238E27FC236}">
-                <a16:creationId xmlns:a16="http://schemas.microsoft.com/office/drawing/2014/main" id="{1DAF8ED7-3719-44AA-9D4C-1829DB3C00E4}"/>
-              </a:ext>
-            </a:extLst>
-          </p:cNvPr>
+          <p:cNvPr id="5" name="页脚占位符 4"/>
           <p:cNvSpPr>
             <a:spLocks noGrp="1"/>
           </p:cNvSpPr>
@@ -899,13 +783,7 @@
       </p:sp>
       <p:sp>
         <p:nvSpPr>
-          <p:cNvPr id="6" name="灯片编号占位符 5">
-            <a:extLst>
-              <a:ext uri="{FF2B5EF4-FFF2-40B4-BE49-F238E27FC236}">
-                <a16:creationId xmlns:a16="http://schemas.microsoft.com/office/drawing/2014/main" id="{3EAEC8AD-5E5A-457B-9E01-4448A03683ED}"/>
-              </a:ext>
-            </a:extLst>
-          </p:cNvPr>
+          <p:cNvPr id="6" name="灯片编号占位符 5"/>
           <p:cNvSpPr>
             <a:spLocks noGrp="1"/>
           </p:cNvSpPr>
@@ -920,18 +798,12 @@
           <a:p>
             <a:fld id="{E65615FC-1B50-4D4A-8FCD-281AE2C006F8}" type="slidenum">
               <a:rPr lang="zh-CN" altLang="en-US" smtClean="0"/>
-              <a:t>‹#›</a:t>
             </a:fld>
             <a:endParaRPr lang="zh-CN" altLang="en-US"/>
           </a:p>
         </p:txBody>
       </p:sp>
     </p:spTree>
-    <p:extLst>
-      <p:ext uri="{BB962C8B-B14F-4D97-AF65-F5344CB8AC3E}">
-        <p14:creationId xmlns:p14="http://schemas.microsoft.com/office/powerpoint/2010/main" val="3382364083"/>
-      </p:ext>
-    </p:extLst>
   </p:cSld>
   <p:clrMapOvr>
     <a:masterClrMapping/>
@@ -958,13 +830,7 @@
       </p:grpSpPr>
       <p:sp>
         <p:nvSpPr>
-          <p:cNvPr id="2" name="标题 1">
-            <a:extLst>
-              <a:ext uri="{FF2B5EF4-FFF2-40B4-BE49-F238E27FC236}">
-                <a16:creationId xmlns:a16="http://schemas.microsoft.com/office/drawing/2014/main" id="{B82A70CA-6D8E-4B35-9047-A7C7FEA3FD28}"/>
-              </a:ext>
-            </a:extLst>
-          </p:cNvPr>
+          <p:cNvPr id="2" name="标题 1"/>
           <p:cNvSpPr>
             <a:spLocks noGrp="1"/>
           </p:cNvSpPr>
@@ -990,18 +856,13 @@
               <a:rPr lang="zh-CN" altLang="en-US"/>
               <a:t>单击此处编辑母版标题样式</a:t>
             </a:r>
-          </a:p>
-        </p:txBody>
-      </p:sp>
-      <p:sp>
-        <p:nvSpPr>
-          <p:cNvPr id="3" name="文本占位符 2">
-            <a:extLst>
-              <a:ext uri="{FF2B5EF4-FFF2-40B4-BE49-F238E27FC236}">
-                <a16:creationId xmlns:a16="http://schemas.microsoft.com/office/drawing/2014/main" id="{E6B8F352-0C01-42A6-9F8D-B9713C96F2D6}"/>
-              </a:ext>
-            </a:extLst>
-          </p:cNvPr>
+            <a:endParaRPr lang="zh-CN" altLang="en-US"/>
+          </a:p>
+        </p:txBody>
+      </p:sp>
+      <p:sp>
+        <p:nvSpPr>
+          <p:cNvPr id="3" name="文本占位符 2"/>
           <p:cNvSpPr>
             <a:spLocks noGrp="1"/>
           </p:cNvSpPr>
@@ -1115,18 +976,13 @@
               <a:rPr lang="zh-CN" altLang="en-US"/>
               <a:t>单击此处编辑母版文本样式</a:t>
             </a:r>
-          </a:p>
-        </p:txBody>
-      </p:sp>
-      <p:sp>
-        <p:nvSpPr>
-          <p:cNvPr id="4" name="日期占位符 3">
-            <a:extLst>
-              <a:ext uri="{FF2B5EF4-FFF2-40B4-BE49-F238E27FC236}">
-                <a16:creationId xmlns:a16="http://schemas.microsoft.com/office/drawing/2014/main" id="{D7C50C1F-B4F7-4CD6-9EC4-33F0E496792F}"/>
-              </a:ext>
-            </a:extLst>
-          </p:cNvPr>
+            <a:endParaRPr lang="zh-CN" altLang="en-US"/>
+          </a:p>
+        </p:txBody>
+      </p:sp>
+      <p:sp>
+        <p:nvSpPr>
+          <p:cNvPr id="4" name="日期占位符 3"/>
           <p:cNvSpPr>
             <a:spLocks noGrp="1"/>
           </p:cNvSpPr>
@@ -1141,7 +997,6 @@
           <a:p>
             <a:fld id="{758F48FE-55B7-4EE7-A7A0-D8F3CA9538A1}" type="datetimeFigureOut">
               <a:rPr lang="zh-CN" altLang="en-US" smtClean="0"/>
-              <a:t>2021/3/21</a:t>
             </a:fld>
             <a:endParaRPr lang="zh-CN" altLang="en-US"/>
           </a:p>
@@ -1149,13 +1004,7 @@
       </p:sp>
       <p:sp>
         <p:nvSpPr>
-          <p:cNvPr id="5" name="页脚占位符 4">
-            <a:extLst>
-              <a:ext uri="{FF2B5EF4-FFF2-40B4-BE49-F238E27FC236}">
-                <a16:creationId xmlns:a16="http://schemas.microsoft.com/office/drawing/2014/main" id="{BA6EEB98-D34C-42DA-9A9C-C029034E531A}"/>
-              </a:ext>
-            </a:extLst>
-          </p:cNvPr>
+          <p:cNvPr id="5" name="页脚占位符 4"/>
           <p:cNvSpPr>
             <a:spLocks noGrp="1"/>
           </p:cNvSpPr>
@@ -1174,13 +1023,7 @@
       </p:sp>
       <p:sp>
         <p:nvSpPr>
-          <p:cNvPr id="6" name="灯片编号占位符 5">
-            <a:extLst>
-              <a:ext uri="{FF2B5EF4-FFF2-40B4-BE49-F238E27FC236}">
-                <a16:creationId xmlns:a16="http://schemas.microsoft.com/office/drawing/2014/main" id="{CD349E72-0C5E-483D-977F-3272DDECC08E}"/>
-              </a:ext>
-            </a:extLst>
-          </p:cNvPr>
+          <p:cNvPr id="6" name="灯片编号占位符 5"/>
           <p:cNvSpPr>
             <a:spLocks noGrp="1"/>
           </p:cNvSpPr>
@@ -1195,18 +1038,12 @@
           <a:p>
             <a:fld id="{E65615FC-1B50-4D4A-8FCD-281AE2C006F8}" type="slidenum">
               <a:rPr lang="zh-CN" altLang="en-US" smtClean="0"/>
-              <a:t>‹#›</a:t>
             </a:fld>
             <a:endParaRPr lang="zh-CN" altLang="en-US"/>
           </a:p>
         </p:txBody>
       </p:sp>
     </p:spTree>
-    <p:extLst>
-      <p:ext uri="{BB962C8B-B14F-4D97-AF65-F5344CB8AC3E}">
-        <p14:creationId xmlns:p14="http://schemas.microsoft.com/office/powerpoint/2010/main" val="2655829615"/>
-      </p:ext>
-    </p:extLst>
   </p:cSld>
   <p:clrMapOvr>
     <a:masterClrMapping/>
@@ -1233,13 +1070,7 @@
       </p:grpSpPr>
       <p:sp>
         <p:nvSpPr>
-          <p:cNvPr id="2" name="标题 1">
-            <a:extLst>
-              <a:ext uri="{FF2B5EF4-FFF2-40B4-BE49-F238E27FC236}">
-                <a16:creationId xmlns:a16="http://schemas.microsoft.com/office/drawing/2014/main" id="{073E4574-DE0B-4678-AFA7-866CE369064B}"/>
-              </a:ext>
-            </a:extLst>
-          </p:cNvPr>
+          <p:cNvPr id="2" name="标题 1"/>
           <p:cNvSpPr>
             <a:spLocks noGrp="1"/>
           </p:cNvSpPr>
@@ -1256,18 +1087,13 @@
               <a:rPr lang="zh-CN" altLang="en-US"/>
               <a:t>单击此处编辑母版标题样式</a:t>
             </a:r>
-          </a:p>
-        </p:txBody>
-      </p:sp>
-      <p:sp>
-        <p:nvSpPr>
-          <p:cNvPr id="3" name="内容占位符 2">
-            <a:extLst>
-              <a:ext uri="{FF2B5EF4-FFF2-40B4-BE49-F238E27FC236}">
-                <a16:creationId xmlns:a16="http://schemas.microsoft.com/office/drawing/2014/main" id="{816A4AE3-7B6B-491B-8EA4-1FC91A1291FA}"/>
-              </a:ext>
-            </a:extLst>
-          </p:cNvPr>
+            <a:endParaRPr lang="zh-CN" altLang="en-US"/>
+          </a:p>
+        </p:txBody>
+      </p:sp>
+      <p:sp>
+        <p:nvSpPr>
+          <p:cNvPr id="3" name="内容占位符 2"/>
           <p:cNvSpPr>
             <a:spLocks noGrp="1"/>
           </p:cNvSpPr>
@@ -1290,6 +1116,7 @@
               <a:rPr lang="zh-CN" altLang="en-US"/>
               <a:t>单击此处编辑母版文本样式</a:t>
             </a:r>
+            <a:endParaRPr lang="zh-CN" altLang="en-US"/>
           </a:p>
           <a:p>
             <a:pPr lvl="1"/>
@@ -1297,6 +1124,7 @@
               <a:rPr lang="zh-CN" altLang="en-US"/>
               <a:t>二级</a:t>
             </a:r>
+            <a:endParaRPr lang="zh-CN" altLang="en-US"/>
           </a:p>
           <a:p>
             <a:pPr lvl="2"/>
@@ -1304,6 +1132,7 @@
               <a:rPr lang="zh-CN" altLang="en-US"/>
               <a:t>三级</a:t>
             </a:r>
+            <a:endParaRPr lang="zh-CN" altLang="en-US"/>
           </a:p>
           <a:p>
             <a:pPr lvl="3"/>
@@ -1311,6 +1140,7 @@
               <a:rPr lang="zh-CN" altLang="en-US"/>
               <a:t>四级</a:t>
             </a:r>
+            <a:endParaRPr lang="zh-CN" altLang="en-US"/>
           </a:p>
           <a:p>
             <a:pPr lvl="4"/>
@@ -1318,18 +1148,13 @@
               <a:rPr lang="zh-CN" altLang="en-US"/>
               <a:t>五级</a:t>
             </a:r>
-          </a:p>
-        </p:txBody>
-      </p:sp>
-      <p:sp>
-        <p:nvSpPr>
-          <p:cNvPr id="4" name="内容占位符 3">
-            <a:extLst>
-              <a:ext uri="{FF2B5EF4-FFF2-40B4-BE49-F238E27FC236}">
-                <a16:creationId xmlns:a16="http://schemas.microsoft.com/office/drawing/2014/main" id="{1ABD1343-A36E-4616-AF93-E9B50424C90F}"/>
-              </a:ext>
-            </a:extLst>
-          </p:cNvPr>
+            <a:endParaRPr lang="zh-CN" altLang="en-US"/>
+          </a:p>
+        </p:txBody>
+      </p:sp>
+      <p:sp>
+        <p:nvSpPr>
+          <p:cNvPr id="4" name="内容占位符 3"/>
           <p:cNvSpPr>
             <a:spLocks noGrp="1"/>
           </p:cNvSpPr>
@@ -1352,6 +1177,7 @@
               <a:rPr lang="zh-CN" altLang="en-US"/>
               <a:t>单击此处编辑母版文本样式</a:t>
             </a:r>
+            <a:endParaRPr lang="zh-CN" altLang="en-US"/>
           </a:p>
           <a:p>
             <a:pPr lvl="1"/>
@@ -1359,6 +1185,7 @@
               <a:rPr lang="zh-CN" altLang="en-US"/>
               <a:t>二级</a:t>
             </a:r>
+            <a:endParaRPr lang="zh-CN" altLang="en-US"/>
           </a:p>
           <a:p>
             <a:pPr lvl="2"/>
@@ -1366,6 +1193,7 @@
               <a:rPr lang="zh-CN" altLang="en-US"/>
               <a:t>三级</a:t>
             </a:r>
+            <a:endParaRPr lang="zh-CN" altLang="en-US"/>
           </a:p>
           <a:p>
             <a:pPr lvl="3"/>
@@ -1373,6 +1201,7 @@
               <a:rPr lang="zh-CN" altLang="en-US"/>
               <a:t>四级</a:t>
             </a:r>
+            <a:endParaRPr lang="zh-CN" altLang="en-US"/>
           </a:p>
           <a:p>
             <a:pPr lvl="4"/>
@@ -1380,18 +1209,13 @@
               <a:rPr lang="zh-CN" altLang="en-US"/>
               <a:t>五级</a:t>
             </a:r>
-          </a:p>
-        </p:txBody>
-      </p:sp>
-      <p:sp>
-        <p:nvSpPr>
-          <p:cNvPr id="5" name="日期占位符 4">
-            <a:extLst>
-              <a:ext uri="{FF2B5EF4-FFF2-40B4-BE49-F238E27FC236}">
-                <a16:creationId xmlns:a16="http://schemas.microsoft.com/office/drawing/2014/main" id="{90A2A4B3-24F8-4AA7-8D9F-B860AF17FDF6}"/>
-              </a:ext>
-            </a:extLst>
-          </p:cNvPr>
+            <a:endParaRPr lang="zh-CN" altLang="en-US"/>
+          </a:p>
+        </p:txBody>
+      </p:sp>
+      <p:sp>
+        <p:nvSpPr>
+          <p:cNvPr id="5" name="日期占位符 4"/>
           <p:cNvSpPr>
             <a:spLocks noGrp="1"/>
           </p:cNvSpPr>
@@ -1406,7 +1230,6 @@
           <a:p>
             <a:fld id="{758F48FE-55B7-4EE7-A7A0-D8F3CA9538A1}" type="datetimeFigureOut">
               <a:rPr lang="zh-CN" altLang="en-US" smtClean="0"/>
-              <a:t>2021/3/21</a:t>
             </a:fld>
             <a:endParaRPr lang="zh-CN" altLang="en-US"/>
           </a:p>
@@ -1414,13 +1237,7 @@
       </p:sp>
       <p:sp>
         <p:nvSpPr>
-          <p:cNvPr id="6" name="页脚占位符 5">
-            <a:extLst>
-              <a:ext uri="{FF2B5EF4-FFF2-40B4-BE49-F238E27FC236}">
-                <a16:creationId xmlns:a16="http://schemas.microsoft.com/office/drawing/2014/main" id="{ED00F23B-A57C-4763-B919-8A83ABE353D0}"/>
-              </a:ext>
-            </a:extLst>
-          </p:cNvPr>
+          <p:cNvPr id="6" name="页脚占位符 5"/>
           <p:cNvSpPr>
             <a:spLocks noGrp="1"/>
           </p:cNvSpPr>
@@ -1439,13 +1256,7 @@
       </p:sp>
       <p:sp>
         <p:nvSpPr>
-          <p:cNvPr id="7" name="灯片编号占位符 6">
-            <a:extLst>
-              <a:ext uri="{FF2B5EF4-FFF2-40B4-BE49-F238E27FC236}">
-                <a16:creationId xmlns:a16="http://schemas.microsoft.com/office/drawing/2014/main" id="{EB3E9C2A-5E8F-4B5C-ACE8-FAB81C164E63}"/>
-              </a:ext>
-            </a:extLst>
-          </p:cNvPr>
+          <p:cNvPr id="7" name="灯片编号占位符 6"/>
           <p:cNvSpPr>
             <a:spLocks noGrp="1"/>
           </p:cNvSpPr>
@@ -1460,18 +1271,12 @@
           <a:p>
             <a:fld id="{E65615FC-1B50-4D4A-8FCD-281AE2C006F8}" type="slidenum">
               <a:rPr lang="zh-CN" altLang="en-US" smtClean="0"/>
-              <a:t>‹#›</a:t>
             </a:fld>
             <a:endParaRPr lang="zh-CN" altLang="en-US"/>
           </a:p>
         </p:txBody>
       </p:sp>
     </p:spTree>
-    <p:extLst>
-      <p:ext uri="{BB962C8B-B14F-4D97-AF65-F5344CB8AC3E}">
-        <p14:creationId xmlns:p14="http://schemas.microsoft.com/office/powerpoint/2010/main" val="3753566472"/>
-      </p:ext>
-    </p:extLst>
   </p:cSld>
   <p:clrMapOvr>
     <a:masterClrMapping/>
@@ -1498,13 +1303,7 @@
       </p:grpSpPr>
       <p:sp>
         <p:nvSpPr>
-          <p:cNvPr id="2" name="标题 1">
-            <a:extLst>
-              <a:ext uri="{FF2B5EF4-FFF2-40B4-BE49-F238E27FC236}">
-                <a16:creationId xmlns:a16="http://schemas.microsoft.com/office/drawing/2014/main" id="{F377DA53-FCB7-43D5-8E49-968DC19E5A0B}"/>
-              </a:ext>
-            </a:extLst>
-          </p:cNvPr>
+          <p:cNvPr id="2" name="标题 1"/>
           <p:cNvSpPr>
             <a:spLocks noGrp="1"/>
           </p:cNvSpPr>
@@ -1526,18 +1325,13 @@
               <a:rPr lang="zh-CN" altLang="en-US"/>
               <a:t>单击此处编辑母版标题样式</a:t>
             </a:r>
-          </a:p>
-        </p:txBody>
-      </p:sp>
-      <p:sp>
-        <p:nvSpPr>
-          <p:cNvPr id="3" name="文本占位符 2">
-            <a:extLst>
-              <a:ext uri="{FF2B5EF4-FFF2-40B4-BE49-F238E27FC236}">
-                <a16:creationId xmlns:a16="http://schemas.microsoft.com/office/drawing/2014/main" id="{9FC1453C-23B4-4511-B00B-88662460B49F}"/>
-              </a:ext>
-            </a:extLst>
-          </p:cNvPr>
+            <a:endParaRPr lang="zh-CN" altLang="en-US"/>
+          </a:p>
+        </p:txBody>
+      </p:sp>
+      <p:sp>
+        <p:nvSpPr>
+          <p:cNvPr id="3" name="文本占位符 2"/>
           <p:cNvSpPr>
             <a:spLocks noGrp="1"/>
           </p:cNvSpPr>
@@ -1597,18 +1391,13 @@
               <a:rPr lang="zh-CN" altLang="en-US"/>
               <a:t>单击此处编辑母版文本样式</a:t>
             </a:r>
-          </a:p>
-        </p:txBody>
-      </p:sp>
-      <p:sp>
-        <p:nvSpPr>
-          <p:cNvPr id="4" name="内容占位符 3">
-            <a:extLst>
-              <a:ext uri="{FF2B5EF4-FFF2-40B4-BE49-F238E27FC236}">
-                <a16:creationId xmlns:a16="http://schemas.microsoft.com/office/drawing/2014/main" id="{5AF6CD7F-B09D-4A74-95AC-83FB4FFC17A2}"/>
-              </a:ext>
-            </a:extLst>
-          </p:cNvPr>
+            <a:endParaRPr lang="zh-CN" altLang="en-US"/>
+          </a:p>
+        </p:txBody>
+      </p:sp>
+      <p:sp>
+        <p:nvSpPr>
+          <p:cNvPr id="4" name="内容占位符 3"/>
           <p:cNvSpPr>
             <a:spLocks noGrp="1"/>
           </p:cNvSpPr>
@@ -1631,6 +1420,7 @@
               <a:rPr lang="zh-CN" altLang="en-US"/>
               <a:t>单击此处编辑母版文本样式</a:t>
             </a:r>
+            <a:endParaRPr lang="zh-CN" altLang="en-US"/>
           </a:p>
           <a:p>
             <a:pPr lvl="1"/>
@@ -1638,6 +1428,7 @@
               <a:rPr lang="zh-CN" altLang="en-US"/>
               <a:t>二级</a:t>
             </a:r>
+            <a:endParaRPr lang="zh-CN" altLang="en-US"/>
           </a:p>
           <a:p>
             <a:pPr lvl="2"/>
@@ -1645,6 +1436,7 @@
               <a:rPr lang="zh-CN" altLang="en-US"/>
               <a:t>三级</a:t>
             </a:r>
+            <a:endParaRPr lang="zh-CN" altLang="en-US"/>
           </a:p>
           <a:p>
             <a:pPr lvl="3"/>
@@ -1652,6 +1444,7 @@
               <a:rPr lang="zh-CN" altLang="en-US"/>
               <a:t>四级</a:t>
             </a:r>
+            <a:endParaRPr lang="zh-CN" altLang="en-US"/>
           </a:p>
           <a:p>
             <a:pPr lvl="4"/>
@@ -1659,18 +1452,13 @@
               <a:rPr lang="zh-CN" altLang="en-US"/>
               <a:t>五级</a:t>
             </a:r>
-          </a:p>
-        </p:txBody>
-      </p:sp>
-      <p:sp>
-        <p:nvSpPr>
-          <p:cNvPr id="5" name="文本占位符 4">
-            <a:extLst>
-              <a:ext uri="{FF2B5EF4-FFF2-40B4-BE49-F238E27FC236}">
-                <a16:creationId xmlns:a16="http://schemas.microsoft.com/office/drawing/2014/main" id="{50438B1E-716A-4571-BCDE-ADADBF898B34}"/>
-              </a:ext>
-            </a:extLst>
-          </p:cNvPr>
+            <a:endParaRPr lang="zh-CN" altLang="en-US"/>
+          </a:p>
+        </p:txBody>
+      </p:sp>
+      <p:sp>
+        <p:nvSpPr>
+          <p:cNvPr id="5" name="文本占位符 4"/>
           <p:cNvSpPr>
             <a:spLocks noGrp="1"/>
           </p:cNvSpPr>
@@ -1730,18 +1518,13 @@
               <a:rPr lang="zh-CN" altLang="en-US"/>
               <a:t>单击此处编辑母版文本样式</a:t>
             </a:r>
-          </a:p>
-        </p:txBody>
-      </p:sp>
-      <p:sp>
-        <p:nvSpPr>
-          <p:cNvPr id="6" name="内容占位符 5">
-            <a:extLst>
-              <a:ext uri="{FF2B5EF4-FFF2-40B4-BE49-F238E27FC236}">
-                <a16:creationId xmlns:a16="http://schemas.microsoft.com/office/drawing/2014/main" id="{D6E2068E-CA0F-4CCF-AA4B-E928AEE73B3A}"/>
-              </a:ext>
-            </a:extLst>
-          </p:cNvPr>
+            <a:endParaRPr lang="zh-CN" altLang="en-US"/>
+          </a:p>
+        </p:txBody>
+      </p:sp>
+      <p:sp>
+        <p:nvSpPr>
+          <p:cNvPr id="6" name="内容占位符 5"/>
           <p:cNvSpPr>
             <a:spLocks noGrp="1"/>
           </p:cNvSpPr>
@@ -1764,6 +1547,7 @@
               <a:rPr lang="zh-CN" altLang="en-US"/>
               <a:t>单击此处编辑母版文本样式</a:t>
             </a:r>
+            <a:endParaRPr lang="zh-CN" altLang="en-US"/>
           </a:p>
           <a:p>
             <a:pPr lvl="1"/>
@@ -1771,6 +1555,7 @@
               <a:rPr lang="zh-CN" altLang="en-US"/>
               <a:t>二级</a:t>
             </a:r>
+            <a:endParaRPr lang="zh-CN" altLang="en-US"/>
           </a:p>
           <a:p>
             <a:pPr lvl="2"/>
@@ -1778,6 +1563,7 @@
               <a:rPr lang="zh-CN" altLang="en-US"/>
               <a:t>三级</a:t>
             </a:r>
+            <a:endParaRPr lang="zh-CN" altLang="en-US"/>
           </a:p>
           <a:p>
             <a:pPr lvl="3"/>
@@ -1785,6 +1571,7 @@
               <a:rPr lang="zh-CN" altLang="en-US"/>
               <a:t>四级</a:t>
             </a:r>
+            <a:endParaRPr lang="zh-CN" altLang="en-US"/>
           </a:p>
           <a:p>
             <a:pPr lvl="4"/>
@@ -1792,18 +1579,13 @@
               <a:rPr lang="zh-CN" altLang="en-US"/>
               <a:t>五级</a:t>
             </a:r>
-          </a:p>
-        </p:txBody>
-      </p:sp>
-      <p:sp>
-        <p:nvSpPr>
-          <p:cNvPr id="7" name="日期占位符 6">
-            <a:extLst>
-              <a:ext uri="{FF2B5EF4-FFF2-40B4-BE49-F238E27FC236}">
-                <a16:creationId xmlns:a16="http://schemas.microsoft.com/office/drawing/2014/main" id="{95B5300A-5B35-4AC5-8301-572AD0DF2F1B}"/>
-              </a:ext>
-            </a:extLst>
-          </p:cNvPr>
+            <a:endParaRPr lang="zh-CN" altLang="en-US"/>
+          </a:p>
+        </p:txBody>
+      </p:sp>
+      <p:sp>
+        <p:nvSpPr>
+          <p:cNvPr id="7" name="日期占位符 6"/>
           <p:cNvSpPr>
             <a:spLocks noGrp="1"/>
           </p:cNvSpPr>
@@ -1818,7 +1600,6 @@
           <a:p>
             <a:fld id="{758F48FE-55B7-4EE7-A7A0-D8F3CA9538A1}" type="datetimeFigureOut">
               <a:rPr lang="zh-CN" altLang="en-US" smtClean="0"/>
-              <a:t>2021/3/21</a:t>
             </a:fld>
             <a:endParaRPr lang="zh-CN" altLang="en-US"/>
           </a:p>
@@ -1826,13 +1607,7 @@
       </p:sp>
       <p:sp>
         <p:nvSpPr>
-          <p:cNvPr id="8" name="页脚占位符 7">
-            <a:extLst>
-              <a:ext uri="{FF2B5EF4-FFF2-40B4-BE49-F238E27FC236}">
-                <a16:creationId xmlns:a16="http://schemas.microsoft.com/office/drawing/2014/main" id="{A834F2D7-EC15-4F7D-9616-8AA5D755E644}"/>
-              </a:ext>
-            </a:extLst>
-          </p:cNvPr>
+          <p:cNvPr id="8" name="页脚占位符 7"/>
           <p:cNvSpPr>
             <a:spLocks noGrp="1"/>
           </p:cNvSpPr>
@@ -1851,13 +1626,7 @@
       </p:sp>
       <p:sp>
         <p:nvSpPr>
-          <p:cNvPr id="9" name="灯片编号占位符 8">
-            <a:extLst>
-              <a:ext uri="{FF2B5EF4-FFF2-40B4-BE49-F238E27FC236}">
-                <a16:creationId xmlns:a16="http://schemas.microsoft.com/office/drawing/2014/main" id="{3CDC1299-A0ED-49B8-BC9D-0C181AF29C62}"/>
-              </a:ext>
-            </a:extLst>
-          </p:cNvPr>
+          <p:cNvPr id="9" name="灯片编号占位符 8"/>
           <p:cNvSpPr>
             <a:spLocks noGrp="1"/>
           </p:cNvSpPr>
@@ -1872,18 +1641,12 @@
           <a:p>
             <a:fld id="{E65615FC-1B50-4D4A-8FCD-281AE2C006F8}" type="slidenum">
               <a:rPr lang="zh-CN" altLang="en-US" smtClean="0"/>
-              <a:t>‹#›</a:t>
             </a:fld>
             <a:endParaRPr lang="zh-CN" altLang="en-US"/>
           </a:p>
         </p:txBody>
       </p:sp>
     </p:spTree>
-    <p:extLst>
-      <p:ext uri="{BB962C8B-B14F-4D97-AF65-F5344CB8AC3E}">
-        <p14:creationId xmlns:p14="http://schemas.microsoft.com/office/powerpoint/2010/main" val="2025344484"/>
-      </p:ext>
-    </p:extLst>
   </p:cSld>
   <p:clrMapOvr>
     <a:masterClrMapping/>
@@ -1910,13 +1673,7 @@
       </p:grpSpPr>
       <p:sp>
         <p:nvSpPr>
-          <p:cNvPr id="2" name="标题 1">
-            <a:extLst>
-              <a:ext uri="{FF2B5EF4-FFF2-40B4-BE49-F238E27FC236}">
-                <a16:creationId xmlns:a16="http://schemas.microsoft.com/office/drawing/2014/main" id="{28BB1B6B-86A5-4EFE-8946-8F5FD3D097A2}"/>
-              </a:ext>
-            </a:extLst>
-          </p:cNvPr>
+          <p:cNvPr id="2" name="标题 1"/>
           <p:cNvSpPr>
             <a:spLocks noGrp="1"/>
           </p:cNvSpPr>
@@ -1933,18 +1690,13 @@
               <a:rPr lang="zh-CN" altLang="en-US"/>
               <a:t>单击此处编辑母版标题样式</a:t>
             </a:r>
-          </a:p>
-        </p:txBody>
-      </p:sp>
-      <p:sp>
-        <p:nvSpPr>
-          <p:cNvPr id="3" name="日期占位符 2">
-            <a:extLst>
-              <a:ext uri="{FF2B5EF4-FFF2-40B4-BE49-F238E27FC236}">
-                <a16:creationId xmlns:a16="http://schemas.microsoft.com/office/drawing/2014/main" id="{A37B0170-2AEA-4750-9C10-A4143098A103}"/>
-              </a:ext>
-            </a:extLst>
-          </p:cNvPr>
+            <a:endParaRPr lang="zh-CN" altLang="en-US"/>
+          </a:p>
+        </p:txBody>
+      </p:sp>
+      <p:sp>
+        <p:nvSpPr>
+          <p:cNvPr id="3" name="日期占位符 2"/>
           <p:cNvSpPr>
             <a:spLocks noGrp="1"/>
           </p:cNvSpPr>
@@ -1959,7 +1711,6 @@
           <a:p>
             <a:fld id="{758F48FE-55B7-4EE7-A7A0-D8F3CA9538A1}" type="datetimeFigureOut">
               <a:rPr lang="zh-CN" altLang="en-US" smtClean="0"/>
-              <a:t>2021/3/21</a:t>
             </a:fld>
             <a:endParaRPr lang="zh-CN" altLang="en-US"/>
           </a:p>
@@ -1967,13 +1718,7 @@
       </p:sp>
       <p:sp>
         <p:nvSpPr>
-          <p:cNvPr id="4" name="页脚占位符 3">
-            <a:extLst>
-              <a:ext uri="{FF2B5EF4-FFF2-40B4-BE49-F238E27FC236}">
-                <a16:creationId xmlns:a16="http://schemas.microsoft.com/office/drawing/2014/main" id="{C0AFD3C6-71BA-4B84-9277-0EF6E4FEBDFC}"/>
-              </a:ext>
-            </a:extLst>
-          </p:cNvPr>
+          <p:cNvPr id="4" name="页脚占位符 3"/>
           <p:cNvSpPr>
             <a:spLocks noGrp="1"/>
           </p:cNvSpPr>
@@ -1992,13 +1737,7 @@
       </p:sp>
       <p:sp>
         <p:nvSpPr>
-          <p:cNvPr id="5" name="灯片编号占位符 4">
-            <a:extLst>
-              <a:ext uri="{FF2B5EF4-FFF2-40B4-BE49-F238E27FC236}">
-                <a16:creationId xmlns:a16="http://schemas.microsoft.com/office/drawing/2014/main" id="{B5E42E05-5F83-43B3-AA8D-31ABF6DDCBDC}"/>
-              </a:ext>
-            </a:extLst>
-          </p:cNvPr>
+          <p:cNvPr id="5" name="灯片编号占位符 4"/>
           <p:cNvSpPr>
             <a:spLocks noGrp="1"/>
           </p:cNvSpPr>
@@ -2013,18 +1752,12 @@
           <a:p>
             <a:fld id="{E65615FC-1B50-4D4A-8FCD-281AE2C006F8}" type="slidenum">
               <a:rPr lang="zh-CN" altLang="en-US" smtClean="0"/>
-              <a:t>‹#›</a:t>
             </a:fld>
             <a:endParaRPr lang="zh-CN" altLang="en-US"/>
           </a:p>
         </p:txBody>
       </p:sp>
     </p:spTree>
-    <p:extLst>
-      <p:ext uri="{BB962C8B-B14F-4D97-AF65-F5344CB8AC3E}">
-        <p14:creationId xmlns:p14="http://schemas.microsoft.com/office/powerpoint/2010/main" val="2391921285"/>
-      </p:ext>
-    </p:extLst>
   </p:cSld>
   <p:clrMapOvr>
     <a:masterClrMapping/>
@@ -2051,13 +1784,7 @@
       </p:grpSpPr>
       <p:sp>
         <p:nvSpPr>
-          <p:cNvPr id="2" name="日期占位符 1">
-            <a:extLst>
-              <a:ext uri="{FF2B5EF4-FFF2-40B4-BE49-F238E27FC236}">
-                <a16:creationId xmlns:a16="http://schemas.microsoft.com/office/drawing/2014/main" id="{DE497E46-6A11-41B3-A289-29F34C06F73D}"/>
-              </a:ext>
-            </a:extLst>
-          </p:cNvPr>
+          <p:cNvPr id="2" name="日期占位符 1"/>
           <p:cNvSpPr>
             <a:spLocks noGrp="1"/>
           </p:cNvSpPr>
@@ -2072,7 +1799,6 @@
           <a:p>
             <a:fld id="{758F48FE-55B7-4EE7-A7A0-D8F3CA9538A1}" type="datetimeFigureOut">
               <a:rPr lang="zh-CN" altLang="en-US" smtClean="0"/>
-              <a:t>2021/3/21</a:t>
             </a:fld>
             <a:endParaRPr lang="zh-CN" altLang="en-US"/>
           </a:p>
@@ -2080,13 +1806,7 @@
       </p:sp>
       <p:sp>
         <p:nvSpPr>
-          <p:cNvPr id="3" name="页脚占位符 2">
-            <a:extLst>
-              <a:ext uri="{FF2B5EF4-FFF2-40B4-BE49-F238E27FC236}">
-                <a16:creationId xmlns:a16="http://schemas.microsoft.com/office/drawing/2014/main" id="{C1B147A0-9780-41B4-8D95-9828234BAEA1}"/>
-              </a:ext>
-            </a:extLst>
-          </p:cNvPr>
+          <p:cNvPr id="3" name="页脚占位符 2"/>
           <p:cNvSpPr>
             <a:spLocks noGrp="1"/>
           </p:cNvSpPr>
@@ -2105,13 +1825,7 @@
       </p:sp>
       <p:sp>
         <p:nvSpPr>
-          <p:cNvPr id="4" name="灯片编号占位符 3">
-            <a:extLst>
-              <a:ext uri="{FF2B5EF4-FFF2-40B4-BE49-F238E27FC236}">
-                <a16:creationId xmlns:a16="http://schemas.microsoft.com/office/drawing/2014/main" id="{75BB5F8B-6E0F-473D-A45B-1A1400E0C59D}"/>
-              </a:ext>
-            </a:extLst>
-          </p:cNvPr>
+          <p:cNvPr id="4" name="灯片编号占位符 3"/>
           <p:cNvSpPr>
             <a:spLocks noGrp="1"/>
           </p:cNvSpPr>
@@ -2126,18 +1840,12 @@
           <a:p>
             <a:fld id="{E65615FC-1B50-4D4A-8FCD-281AE2C006F8}" type="slidenum">
               <a:rPr lang="zh-CN" altLang="en-US" smtClean="0"/>
-              <a:t>‹#›</a:t>
             </a:fld>
             <a:endParaRPr lang="zh-CN" altLang="en-US"/>
           </a:p>
         </p:txBody>
       </p:sp>
     </p:spTree>
-    <p:extLst>
-      <p:ext uri="{BB962C8B-B14F-4D97-AF65-F5344CB8AC3E}">
-        <p14:creationId xmlns:p14="http://schemas.microsoft.com/office/powerpoint/2010/main" val="968831887"/>
-      </p:ext>
-    </p:extLst>
   </p:cSld>
   <p:clrMapOvr>
     <a:masterClrMapping/>
@@ -2164,13 +1872,7 @@
       </p:grpSpPr>
       <p:sp>
         <p:nvSpPr>
-          <p:cNvPr id="2" name="标题 1">
-            <a:extLst>
-              <a:ext uri="{FF2B5EF4-FFF2-40B4-BE49-F238E27FC236}">
-                <a16:creationId xmlns:a16="http://schemas.microsoft.com/office/drawing/2014/main" id="{D421E887-CEA7-4903-B0F8-66846A4008CE}"/>
-              </a:ext>
-            </a:extLst>
-          </p:cNvPr>
+          <p:cNvPr id="2" name="标题 1"/>
           <p:cNvSpPr>
             <a:spLocks noGrp="1"/>
           </p:cNvSpPr>
@@ -2196,18 +1898,13 @@
               <a:rPr lang="zh-CN" altLang="en-US"/>
               <a:t>单击此处编辑母版标题样式</a:t>
             </a:r>
-          </a:p>
-        </p:txBody>
-      </p:sp>
-      <p:sp>
-        <p:nvSpPr>
-          <p:cNvPr id="3" name="内容占位符 2">
-            <a:extLst>
-              <a:ext uri="{FF2B5EF4-FFF2-40B4-BE49-F238E27FC236}">
-                <a16:creationId xmlns:a16="http://schemas.microsoft.com/office/drawing/2014/main" id="{74B0FC72-797E-40AC-BC62-BC2F6487D0D2}"/>
-              </a:ext>
-            </a:extLst>
-          </p:cNvPr>
+            <a:endParaRPr lang="zh-CN" altLang="en-US"/>
+          </a:p>
+        </p:txBody>
+      </p:sp>
+      <p:sp>
+        <p:nvSpPr>
+          <p:cNvPr id="3" name="内容占位符 2"/>
           <p:cNvSpPr>
             <a:spLocks noGrp="1"/>
           </p:cNvSpPr>
@@ -2258,6 +1955,7 @@
               <a:rPr lang="zh-CN" altLang="en-US"/>
               <a:t>单击此处编辑母版文本样式</a:t>
             </a:r>
+            <a:endParaRPr lang="zh-CN" altLang="en-US"/>
           </a:p>
           <a:p>
             <a:pPr lvl="1"/>
@@ -2265,6 +1963,7 @@
               <a:rPr lang="zh-CN" altLang="en-US"/>
               <a:t>二级</a:t>
             </a:r>
+            <a:endParaRPr lang="zh-CN" altLang="en-US"/>
           </a:p>
           <a:p>
             <a:pPr lvl="2"/>
@@ -2272,6 +1971,7 @@
               <a:rPr lang="zh-CN" altLang="en-US"/>
               <a:t>三级</a:t>
             </a:r>
+            <a:endParaRPr lang="zh-CN" altLang="en-US"/>
           </a:p>
           <a:p>
             <a:pPr lvl="3"/>
@@ -2279,6 +1979,7 @@
               <a:rPr lang="zh-CN" altLang="en-US"/>
               <a:t>四级</a:t>
             </a:r>
+            <a:endParaRPr lang="zh-CN" altLang="en-US"/>
           </a:p>
           <a:p>
             <a:pPr lvl="4"/>
@@ -2286,18 +1987,13 @@
               <a:rPr lang="zh-CN" altLang="en-US"/>
               <a:t>五级</a:t>
             </a:r>
-          </a:p>
-        </p:txBody>
-      </p:sp>
-      <p:sp>
-        <p:nvSpPr>
-          <p:cNvPr id="4" name="文本占位符 3">
-            <a:extLst>
-              <a:ext uri="{FF2B5EF4-FFF2-40B4-BE49-F238E27FC236}">
-                <a16:creationId xmlns:a16="http://schemas.microsoft.com/office/drawing/2014/main" id="{29498372-252E-448A-B741-6FB402FCAFA9}"/>
-              </a:ext>
-            </a:extLst>
-          </p:cNvPr>
+            <a:endParaRPr lang="zh-CN" altLang="en-US"/>
+          </a:p>
+        </p:txBody>
+      </p:sp>
+      <p:sp>
+        <p:nvSpPr>
+          <p:cNvPr id="4" name="文本占位符 3"/>
           <p:cNvSpPr>
             <a:spLocks noGrp="1"/>
           </p:cNvSpPr>
@@ -2357,18 +2053,13 @@
               <a:rPr lang="zh-CN" altLang="en-US"/>
               <a:t>单击此处编辑母版文本样式</a:t>
             </a:r>
-          </a:p>
-        </p:txBody>
-      </p:sp>
-      <p:sp>
-        <p:nvSpPr>
-          <p:cNvPr id="5" name="日期占位符 4">
-            <a:extLst>
-              <a:ext uri="{FF2B5EF4-FFF2-40B4-BE49-F238E27FC236}">
-                <a16:creationId xmlns:a16="http://schemas.microsoft.com/office/drawing/2014/main" id="{CF2C7DDB-F61E-4A1A-94A9-988F348E5C36}"/>
-              </a:ext>
-            </a:extLst>
-          </p:cNvPr>
+            <a:endParaRPr lang="zh-CN" altLang="en-US"/>
+          </a:p>
+        </p:txBody>
+      </p:sp>
+      <p:sp>
+        <p:nvSpPr>
+          <p:cNvPr id="5" name="日期占位符 4"/>
           <p:cNvSpPr>
             <a:spLocks noGrp="1"/>
           </p:cNvSpPr>
@@ -2383,7 +2074,6 @@
           <a:p>
             <a:fld id="{758F48FE-55B7-4EE7-A7A0-D8F3CA9538A1}" type="datetimeFigureOut">
               <a:rPr lang="zh-CN" altLang="en-US" smtClean="0"/>
-              <a:t>2021/3/21</a:t>
             </a:fld>
             <a:endParaRPr lang="zh-CN" altLang="en-US"/>
           </a:p>
@@ -2391,13 +2081,7 @@
       </p:sp>
       <p:sp>
         <p:nvSpPr>
-          <p:cNvPr id="6" name="页脚占位符 5">
-            <a:extLst>
-              <a:ext uri="{FF2B5EF4-FFF2-40B4-BE49-F238E27FC236}">
-                <a16:creationId xmlns:a16="http://schemas.microsoft.com/office/drawing/2014/main" id="{273AE695-97DD-4041-8ABC-00FBCB5D80E2}"/>
-              </a:ext>
-            </a:extLst>
-          </p:cNvPr>
+          <p:cNvPr id="6" name="页脚占位符 5"/>
           <p:cNvSpPr>
             <a:spLocks noGrp="1"/>
           </p:cNvSpPr>
@@ -2416,13 +2100,7 @@
       </p:sp>
       <p:sp>
         <p:nvSpPr>
-          <p:cNvPr id="7" name="灯片编号占位符 6">
-            <a:extLst>
-              <a:ext uri="{FF2B5EF4-FFF2-40B4-BE49-F238E27FC236}">
-                <a16:creationId xmlns:a16="http://schemas.microsoft.com/office/drawing/2014/main" id="{2FB1119D-2527-44A3-AC24-84AC4D86CF7E}"/>
-              </a:ext>
-            </a:extLst>
-          </p:cNvPr>
+          <p:cNvPr id="7" name="灯片编号占位符 6"/>
           <p:cNvSpPr>
             <a:spLocks noGrp="1"/>
           </p:cNvSpPr>
@@ -2437,18 +2115,12 @@
           <a:p>
             <a:fld id="{E65615FC-1B50-4D4A-8FCD-281AE2C006F8}" type="slidenum">
               <a:rPr lang="zh-CN" altLang="en-US" smtClean="0"/>
-              <a:t>‹#›</a:t>
             </a:fld>
             <a:endParaRPr lang="zh-CN" altLang="en-US"/>
           </a:p>
         </p:txBody>
       </p:sp>
     </p:spTree>
-    <p:extLst>
-      <p:ext uri="{BB962C8B-B14F-4D97-AF65-F5344CB8AC3E}">
-        <p14:creationId xmlns:p14="http://schemas.microsoft.com/office/powerpoint/2010/main" val="4275217786"/>
-      </p:ext>
-    </p:extLst>
   </p:cSld>
   <p:clrMapOvr>
     <a:masterClrMapping/>
@@ -2475,13 +2147,7 @@
       </p:grpSpPr>
       <p:sp>
         <p:nvSpPr>
-          <p:cNvPr id="2" name="标题 1">
-            <a:extLst>
-              <a:ext uri="{FF2B5EF4-FFF2-40B4-BE49-F238E27FC236}">
-                <a16:creationId xmlns:a16="http://schemas.microsoft.com/office/drawing/2014/main" id="{ECD78CF3-B371-41A0-8F27-30DCEFC9DFB3}"/>
-              </a:ext>
-            </a:extLst>
-          </p:cNvPr>
+          <p:cNvPr id="2" name="标题 1"/>
           <p:cNvSpPr>
             <a:spLocks noGrp="1"/>
           </p:cNvSpPr>
@@ -2507,18 +2173,13 @@
               <a:rPr lang="zh-CN" altLang="en-US"/>
               <a:t>单击此处编辑母版标题样式</a:t>
             </a:r>
-          </a:p>
-        </p:txBody>
-      </p:sp>
-      <p:sp>
-        <p:nvSpPr>
-          <p:cNvPr id="3" name="图片占位符 2">
-            <a:extLst>
-              <a:ext uri="{FF2B5EF4-FFF2-40B4-BE49-F238E27FC236}">
-                <a16:creationId xmlns:a16="http://schemas.microsoft.com/office/drawing/2014/main" id="{6D9880BD-4128-4FFB-AFAC-06549218D89C}"/>
-              </a:ext>
-            </a:extLst>
-          </p:cNvPr>
+            <a:endParaRPr lang="zh-CN" altLang="en-US"/>
+          </a:p>
+        </p:txBody>
+      </p:sp>
+      <p:sp>
+        <p:nvSpPr>
+          <p:cNvPr id="3" name="图片占位符 2"/>
           <p:cNvSpPr>
             <a:spLocks noGrp="1"/>
           </p:cNvSpPr>
@@ -2579,13 +2240,7 @@
       </p:sp>
       <p:sp>
         <p:nvSpPr>
-          <p:cNvPr id="4" name="文本占位符 3">
-            <a:extLst>
-              <a:ext uri="{FF2B5EF4-FFF2-40B4-BE49-F238E27FC236}">
-                <a16:creationId xmlns:a16="http://schemas.microsoft.com/office/drawing/2014/main" id="{4AA8E63F-D144-4EEC-A7AA-B70B27ABC2F0}"/>
-              </a:ext>
-            </a:extLst>
-          </p:cNvPr>
+          <p:cNvPr id="4" name="文本占位符 3"/>
           <p:cNvSpPr>
             <a:spLocks noGrp="1"/>
           </p:cNvSpPr>
@@ -2645,18 +2300,13 @@
               <a:rPr lang="zh-CN" altLang="en-US"/>
               <a:t>单击此处编辑母版文本样式</a:t>
             </a:r>
-          </a:p>
-        </p:txBody>
-      </p:sp>
-      <p:sp>
-        <p:nvSpPr>
-          <p:cNvPr id="5" name="日期占位符 4">
-            <a:extLst>
-              <a:ext uri="{FF2B5EF4-FFF2-40B4-BE49-F238E27FC236}">
-                <a16:creationId xmlns:a16="http://schemas.microsoft.com/office/drawing/2014/main" id="{CAEB8988-DAF0-44EF-B434-5E2981DBB2C2}"/>
-              </a:ext>
-            </a:extLst>
-          </p:cNvPr>
+            <a:endParaRPr lang="zh-CN" altLang="en-US"/>
+          </a:p>
+        </p:txBody>
+      </p:sp>
+      <p:sp>
+        <p:nvSpPr>
+          <p:cNvPr id="5" name="日期占位符 4"/>
           <p:cNvSpPr>
             <a:spLocks noGrp="1"/>
           </p:cNvSpPr>
@@ -2671,7 +2321,6 @@
           <a:p>
             <a:fld id="{758F48FE-55B7-4EE7-A7A0-D8F3CA9538A1}" type="datetimeFigureOut">
               <a:rPr lang="zh-CN" altLang="en-US" smtClean="0"/>
-              <a:t>2021/3/21</a:t>
             </a:fld>
             <a:endParaRPr lang="zh-CN" altLang="en-US"/>
           </a:p>
@@ -2679,13 +2328,7 @@
       </p:sp>
       <p:sp>
         <p:nvSpPr>
-          <p:cNvPr id="6" name="页脚占位符 5">
-            <a:extLst>
-              <a:ext uri="{FF2B5EF4-FFF2-40B4-BE49-F238E27FC236}">
-                <a16:creationId xmlns:a16="http://schemas.microsoft.com/office/drawing/2014/main" id="{AF0269FE-1B63-4286-9794-22A475E0AFFD}"/>
-              </a:ext>
-            </a:extLst>
-          </p:cNvPr>
+          <p:cNvPr id="6" name="页脚占位符 5"/>
           <p:cNvSpPr>
             <a:spLocks noGrp="1"/>
           </p:cNvSpPr>
@@ -2704,13 +2347,7 @@
       </p:sp>
       <p:sp>
         <p:nvSpPr>
-          <p:cNvPr id="7" name="灯片编号占位符 6">
-            <a:extLst>
-              <a:ext uri="{FF2B5EF4-FFF2-40B4-BE49-F238E27FC236}">
-                <a16:creationId xmlns:a16="http://schemas.microsoft.com/office/drawing/2014/main" id="{518C7998-5592-46A3-B7F2-872B511712E7}"/>
-              </a:ext>
-            </a:extLst>
-          </p:cNvPr>
+          <p:cNvPr id="7" name="灯片编号占位符 6"/>
           <p:cNvSpPr>
             <a:spLocks noGrp="1"/>
           </p:cNvSpPr>
@@ -2725,18 +2362,12 @@
           <a:p>
             <a:fld id="{E65615FC-1B50-4D4A-8FCD-281AE2C006F8}" type="slidenum">
               <a:rPr lang="zh-CN" altLang="en-US" smtClean="0"/>
-              <a:t>‹#›</a:t>
             </a:fld>
             <a:endParaRPr lang="zh-CN" altLang="en-US"/>
           </a:p>
         </p:txBody>
       </p:sp>
     </p:spTree>
-    <p:extLst>
-      <p:ext uri="{BB962C8B-B14F-4D97-AF65-F5344CB8AC3E}">
-        <p14:creationId xmlns:p14="http://schemas.microsoft.com/office/powerpoint/2010/main" val="2384370327"/>
-      </p:ext>
-    </p:extLst>
   </p:cSld>
   <p:clrMapOvr>
     <a:masterClrMapping/>
@@ -2768,13 +2399,7 @@
       </p:grpSpPr>
       <p:sp>
         <p:nvSpPr>
-          <p:cNvPr id="2" name="标题占位符 1">
-            <a:extLst>
-              <a:ext uri="{FF2B5EF4-FFF2-40B4-BE49-F238E27FC236}">
-                <a16:creationId xmlns:a16="http://schemas.microsoft.com/office/drawing/2014/main" id="{5DC4B0C0-AC83-4B2C-A235-47E0759B49F5}"/>
-              </a:ext>
-            </a:extLst>
-          </p:cNvPr>
+          <p:cNvPr id="2" name="标题占位符 1"/>
           <p:cNvSpPr>
             <a:spLocks noGrp="1"/>
           </p:cNvSpPr>
@@ -2801,18 +2426,13 @@
               <a:rPr lang="zh-CN" altLang="en-US"/>
               <a:t>单击此处编辑母版标题样式</a:t>
             </a:r>
-          </a:p>
-        </p:txBody>
-      </p:sp>
-      <p:sp>
-        <p:nvSpPr>
-          <p:cNvPr id="3" name="文本占位符 2">
-            <a:extLst>
-              <a:ext uri="{FF2B5EF4-FFF2-40B4-BE49-F238E27FC236}">
-                <a16:creationId xmlns:a16="http://schemas.microsoft.com/office/drawing/2014/main" id="{438AB6CD-F3F2-4CB1-A5E9-45F537B62E0D}"/>
-              </a:ext>
-            </a:extLst>
-          </p:cNvPr>
+            <a:endParaRPr lang="zh-CN" altLang="en-US"/>
+          </a:p>
+        </p:txBody>
+      </p:sp>
+      <p:sp>
+        <p:nvSpPr>
+          <p:cNvPr id="3" name="文本占位符 2"/>
           <p:cNvSpPr>
             <a:spLocks noGrp="1"/>
           </p:cNvSpPr>
@@ -2840,6 +2460,7 @@
               <a:rPr lang="zh-CN" altLang="en-US"/>
               <a:t>单击此处编辑母版文本样式</a:t>
             </a:r>
+            <a:endParaRPr lang="zh-CN" altLang="en-US"/>
           </a:p>
           <a:p>
             <a:pPr lvl="1"/>
@@ -2847,6 +2468,7 @@
               <a:rPr lang="zh-CN" altLang="en-US"/>
               <a:t>二级</a:t>
             </a:r>
+            <a:endParaRPr lang="zh-CN" altLang="en-US"/>
           </a:p>
           <a:p>
             <a:pPr lvl="2"/>
@@ -2854,6 +2476,7 @@
               <a:rPr lang="zh-CN" altLang="en-US"/>
               <a:t>三级</a:t>
             </a:r>
+            <a:endParaRPr lang="zh-CN" altLang="en-US"/>
           </a:p>
           <a:p>
             <a:pPr lvl="3"/>
@@ -2861,6 +2484,7 @@
               <a:rPr lang="zh-CN" altLang="en-US"/>
               <a:t>四级</a:t>
             </a:r>
+            <a:endParaRPr lang="zh-CN" altLang="en-US"/>
           </a:p>
           <a:p>
             <a:pPr lvl="4"/>
@@ -2868,18 +2492,13 @@
               <a:rPr lang="zh-CN" altLang="en-US"/>
               <a:t>五级</a:t>
             </a:r>
-          </a:p>
-        </p:txBody>
-      </p:sp>
-      <p:sp>
-        <p:nvSpPr>
-          <p:cNvPr id="4" name="日期占位符 3">
-            <a:extLst>
-              <a:ext uri="{FF2B5EF4-FFF2-40B4-BE49-F238E27FC236}">
-                <a16:creationId xmlns:a16="http://schemas.microsoft.com/office/drawing/2014/main" id="{D6D69EC5-8586-4A26-B269-F4795671A128}"/>
-              </a:ext>
-            </a:extLst>
-          </p:cNvPr>
+            <a:endParaRPr lang="zh-CN" altLang="en-US"/>
+          </a:p>
+        </p:txBody>
+      </p:sp>
+      <p:sp>
+        <p:nvSpPr>
+          <p:cNvPr id="4" name="日期占位符 3"/>
           <p:cNvSpPr>
             <a:spLocks noGrp="1"/>
           </p:cNvSpPr>
@@ -2912,7 +2531,6 @@
           <a:p>
             <a:fld id="{758F48FE-55B7-4EE7-A7A0-D8F3CA9538A1}" type="datetimeFigureOut">
               <a:rPr lang="zh-CN" altLang="en-US" smtClean="0"/>
-              <a:t>2021/3/21</a:t>
             </a:fld>
             <a:endParaRPr lang="zh-CN" altLang="en-US"/>
           </a:p>
@@ -2920,13 +2538,7 @@
       </p:sp>
       <p:sp>
         <p:nvSpPr>
-          <p:cNvPr id="5" name="页脚占位符 4">
-            <a:extLst>
-              <a:ext uri="{FF2B5EF4-FFF2-40B4-BE49-F238E27FC236}">
-                <a16:creationId xmlns:a16="http://schemas.microsoft.com/office/drawing/2014/main" id="{90997192-CA30-4E6B-B35C-735AFE3EFA82}"/>
-              </a:ext>
-            </a:extLst>
-          </p:cNvPr>
+          <p:cNvPr id="5" name="页脚占位符 4"/>
           <p:cNvSpPr>
             <a:spLocks noGrp="1"/>
           </p:cNvSpPr>
@@ -2963,13 +2575,7 @@
       </p:sp>
       <p:sp>
         <p:nvSpPr>
-          <p:cNvPr id="6" name="灯片编号占位符 5">
-            <a:extLst>
-              <a:ext uri="{FF2B5EF4-FFF2-40B4-BE49-F238E27FC236}">
-                <a16:creationId xmlns:a16="http://schemas.microsoft.com/office/drawing/2014/main" id="{A2FBCAC9-88D1-476C-8EDC-3C066C2F6A12}"/>
-              </a:ext>
-            </a:extLst>
-          </p:cNvPr>
+          <p:cNvPr id="6" name="灯片编号占位符 5"/>
           <p:cNvSpPr>
             <a:spLocks noGrp="1"/>
           </p:cNvSpPr>
@@ -3002,18 +2608,12 @@
           <a:p>
             <a:fld id="{E65615FC-1B50-4D4A-8FCD-281AE2C006F8}" type="slidenum">
               <a:rPr lang="zh-CN" altLang="en-US" smtClean="0"/>
-              <a:t>‹#›</a:t>
             </a:fld>
             <a:endParaRPr lang="zh-CN" altLang="en-US"/>
           </a:p>
         </p:txBody>
       </p:sp>
     </p:spTree>
-    <p:extLst>
-      <p:ext uri="{BB962C8B-B14F-4D97-AF65-F5344CB8AC3E}">
-        <p14:creationId xmlns:p14="http://schemas.microsoft.com/office/powerpoint/2010/main" val="570056920"/>
-      </p:ext>
-    </p:extLst>
   </p:cSld>
   <p:clrMap bg1="lt1" tx1="dk1" bg2="lt2" tx2="dk2" accent1="accent1" accent2="accent2" accent3="accent3" accent4="accent4" accent5="accent5" accent6="accent6" hlink="hlink" folHlink="folHlink"/>
   <p:sldLayoutIdLst>
@@ -3331,13 +2931,7 @@
       </p:grpSpPr>
       <p:sp>
         <p:nvSpPr>
-          <p:cNvPr id="4" name="文本框 3">
-            <a:extLst>
-              <a:ext uri="{FF2B5EF4-FFF2-40B4-BE49-F238E27FC236}">
-                <a16:creationId xmlns:a16="http://schemas.microsoft.com/office/drawing/2014/main" id="{FE2B52DC-4BA9-4A13-8BC0-B702A237EE03}"/>
-              </a:ext>
-            </a:extLst>
-          </p:cNvPr>
+          <p:cNvPr id="4" name="文本框 3"/>
           <p:cNvSpPr txBox="1"/>
           <p:nvPr/>
         </p:nvSpPr>
@@ -3381,13 +2975,7 @@
       </p:sp>
       <p:sp>
         <p:nvSpPr>
-          <p:cNvPr id="5" name="文本框 4">
-            <a:extLst>
-              <a:ext uri="{FF2B5EF4-FFF2-40B4-BE49-F238E27FC236}">
-                <a16:creationId xmlns:a16="http://schemas.microsoft.com/office/drawing/2014/main" id="{F41B36F3-0BA2-4434-880E-85CCE29B3919}"/>
-              </a:ext>
-            </a:extLst>
-          </p:cNvPr>
+          <p:cNvPr id="5" name="文本框 4"/>
           <p:cNvSpPr txBox="1"/>
           <p:nvPr/>
         </p:nvSpPr>
@@ -3512,13 +3100,7 @@
       </p:sp>
       <p:sp>
         <p:nvSpPr>
-          <p:cNvPr id="6" name="文本框 5">
-            <a:extLst>
-              <a:ext uri="{FF2B5EF4-FFF2-40B4-BE49-F238E27FC236}">
-                <a16:creationId xmlns:a16="http://schemas.microsoft.com/office/drawing/2014/main" id="{FFD12EA1-634E-4409-8394-D4000129387C}"/>
-              </a:ext>
-            </a:extLst>
-          </p:cNvPr>
+          <p:cNvPr id="6" name="文本框 5"/>
           <p:cNvSpPr txBox="1"/>
           <p:nvPr/>
         </p:nvSpPr>
@@ -3582,11 +3164,6 @@
         </p:txBody>
       </p:sp>
     </p:spTree>
-    <p:extLst>
-      <p:ext uri="{BB962C8B-B14F-4D97-AF65-F5344CB8AC3E}">
-        <p14:creationId xmlns:p14="http://schemas.microsoft.com/office/powerpoint/2010/main" val="1667468637"/>
-      </p:ext>
-    </p:extLst>
   </p:cSld>
   <p:clrMapOvr>
     <a:masterClrMapping/>
@@ -3613,20 +3190,14 @@
       </p:grpSpPr>
       <p:pic>
         <p:nvPicPr>
-          <p:cNvPr id="3" name="图片 2">
-            <a:extLst>
-              <a:ext uri="{FF2B5EF4-FFF2-40B4-BE49-F238E27FC236}">
-                <a16:creationId xmlns:a16="http://schemas.microsoft.com/office/drawing/2014/main" id="{B3C76959-74A0-4E43-9D5F-5DBB23C8A025}"/>
-              </a:ext>
-            </a:extLst>
-          </p:cNvPr>
+          <p:cNvPr id="3" name="图片 2"/>
           <p:cNvPicPr>
             <a:picLocks noChangeAspect="1"/>
           </p:cNvPicPr>
           <p:nvPr/>
         </p:nvPicPr>
         <p:blipFill>
-          <a:blip r:embed="rId2"/>
+          <a:blip r:embed="rId1"/>
           <a:stretch>
             <a:fillRect/>
           </a:stretch>
@@ -3643,20 +3214,14 @@
       </p:pic>
       <p:pic>
         <p:nvPicPr>
-          <p:cNvPr id="8" name="图片 7">
-            <a:extLst>
-              <a:ext uri="{FF2B5EF4-FFF2-40B4-BE49-F238E27FC236}">
-                <a16:creationId xmlns:a16="http://schemas.microsoft.com/office/drawing/2014/main" id="{068EB6E6-61BF-4CDC-8669-99157340DDB7}"/>
-              </a:ext>
-            </a:extLst>
-          </p:cNvPr>
+          <p:cNvPr id="8" name="图片 7"/>
           <p:cNvPicPr>
             <a:picLocks noChangeAspect="1"/>
           </p:cNvPicPr>
           <p:nvPr/>
         </p:nvPicPr>
         <p:blipFill>
-          <a:blip r:embed="rId3"/>
+          <a:blip r:embed="rId2"/>
           <a:stretch>
             <a:fillRect/>
           </a:stretch>
@@ -3673,13 +3238,7 @@
       </p:pic>
       <p:sp>
         <p:nvSpPr>
-          <p:cNvPr id="9" name="文本框 8">
-            <a:extLst>
-              <a:ext uri="{FF2B5EF4-FFF2-40B4-BE49-F238E27FC236}">
-                <a16:creationId xmlns:a16="http://schemas.microsoft.com/office/drawing/2014/main" id="{3E26B065-97DA-43D2-9F4E-6F98398ED455}"/>
-              </a:ext>
-            </a:extLst>
-          </p:cNvPr>
+          <p:cNvPr id="9" name="文本框 8"/>
           <p:cNvSpPr txBox="1"/>
           <p:nvPr/>
         </p:nvSpPr>
@@ -3724,11 +3283,6 @@
         </p:txBody>
       </p:sp>
     </p:spTree>
-    <p:extLst>
-      <p:ext uri="{BB962C8B-B14F-4D97-AF65-F5344CB8AC3E}">
-        <p14:creationId xmlns:p14="http://schemas.microsoft.com/office/powerpoint/2010/main" val="2621433587"/>
-      </p:ext>
-    </p:extLst>
   </p:cSld>
   <p:clrMapOvr>
     <a:masterClrMapping/>
@@ -3755,19 +3309,13 @@
       </p:grpSpPr>
       <p:sp>
         <p:nvSpPr>
-          <p:cNvPr id="2" name="文本框 1">
-            <a:extLst>
-              <a:ext uri="{FF2B5EF4-FFF2-40B4-BE49-F238E27FC236}">
-                <a16:creationId xmlns:a16="http://schemas.microsoft.com/office/drawing/2014/main" id="{92C634EE-EDC0-4AD0-80D1-D5608E3EFE28}"/>
-              </a:ext>
-            </a:extLst>
-          </p:cNvPr>
+          <p:cNvPr id="2" name="文本框 1"/>
           <p:cNvSpPr txBox="1"/>
           <p:nvPr/>
         </p:nvSpPr>
         <p:spPr>
           <a:xfrm>
-            <a:off x="1189608" y="1296140"/>
+            <a:off x="582548" y="736705"/>
             <a:ext cx="3684233" cy="369332"/>
           </a:xfrm>
           <a:prstGeom prst="rect">
@@ -3789,25 +3337,20 @@
               <a:rPr lang="zh-CN" altLang="en-US" dirty="0"/>
               <a:t>构造函数</a:t>
             </a:r>
+            <a:endParaRPr lang="zh-CN" altLang="en-US" dirty="0"/>
           </a:p>
         </p:txBody>
       </p:sp>
       <p:pic>
         <p:nvPicPr>
-          <p:cNvPr id="4" name="图片 3">
-            <a:extLst>
-              <a:ext uri="{FF2B5EF4-FFF2-40B4-BE49-F238E27FC236}">
-                <a16:creationId xmlns:a16="http://schemas.microsoft.com/office/drawing/2014/main" id="{87C02EB9-2310-4EFB-B17A-ADF9590A7AD8}"/>
-              </a:ext>
-            </a:extLst>
-          </p:cNvPr>
+          <p:cNvPr id="4" name="图片 3"/>
           <p:cNvPicPr>
             <a:picLocks noChangeAspect="1"/>
           </p:cNvPicPr>
           <p:nvPr/>
         </p:nvPicPr>
         <p:blipFill>
-          <a:blip r:embed="rId2"/>
+          <a:blip r:embed="rId1"/>
           <a:stretch>
             <a:fillRect/>
           </a:stretch>
@@ -3822,12 +3365,209 @@
           </a:prstGeom>
         </p:spPr>
       </p:pic>
+      <p:sp>
+        <p:nvSpPr>
+          <p:cNvPr id="3" name="文本框 2"/>
+          <p:cNvSpPr txBox="1"/>
+          <p:nvPr/>
+        </p:nvSpPr>
+        <p:spPr>
+          <a:xfrm>
+            <a:off x="582295" y="1438275"/>
+            <a:ext cx="3716020" cy="1066800"/>
+          </a:xfrm>
+          <a:prstGeom prst="rect">
+            <a:avLst/>
+          </a:prstGeom>
+          <a:noFill/>
+        </p:spPr>
+        <p:txBody>
+          <a:bodyPr wrap="square" rtlCol="0">
+            <a:spAutoFit/>
+          </a:bodyPr>
+          <a:p>
+            <a:pPr algn="l"/>
+            <a:r>
+              <a:rPr lang="zh-CN" altLang="en-US" sz="1600"/>
+              <a:t>首先会判断 Vue 是不是挂载在 window 上，如果是的话，自动调用 install 方法，然后进行断言，</a:t>
+            </a:r>
+            <a:endParaRPr lang="zh-CN" altLang="en-US" sz="1600"/>
+          </a:p>
+          <a:p>
+            <a:pPr algn="l"/>
+            <a:r>
+              <a:rPr lang="zh-CN" altLang="en-US" sz="1600"/>
+              <a:t>接下去是一些内部变量的初始化</a:t>
+            </a:r>
+            <a:endParaRPr lang="zh-CN" altLang="en-US" sz="1600"/>
+          </a:p>
+        </p:txBody>
+      </p:sp>
+      <p:sp>
+        <p:nvSpPr>
+          <p:cNvPr id="5" name="文本框 4"/>
+          <p:cNvSpPr txBox="1"/>
+          <p:nvPr/>
+        </p:nvSpPr>
+        <p:spPr>
+          <a:xfrm>
+            <a:off x="582295" y="2799715"/>
+            <a:ext cx="4408805" cy="2834640"/>
+          </a:xfrm>
+          <a:prstGeom prst="rect">
+            <a:avLst/>
+          </a:prstGeom>
+          <a:noFill/>
+        </p:spPr>
+        <p:txBody>
+          <a:bodyPr wrap="square" rtlCol="0">
+            <a:spAutoFit/>
+          </a:bodyPr>
+          <a:p>
+            <a:pPr indent="0" algn="l" fontAlgn="auto"/>
+            <a:r>
+              <a:rPr lang="zh-CN" altLang="en-US" b="1"/>
+              <a:t>_committing </a:t>
+            </a:r>
+            <a:r>
+              <a:rPr lang="en-US" altLang="zh-CN" sz="1600"/>
+              <a:t>——</a:t>
+            </a:r>
+            <a:r>
+              <a:rPr lang="zh-CN" altLang="en-US" sz="1600"/>
+              <a:t> </a:t>
+            </a:r>
+            <a:r>
+              <a:rPr lang="zh-CN" altLang="en-US" sz="1400"/>
+              <a:t>提交状态的标志</a:t>
+            </a:r>
+            <a:endParaRPr lang="zh-CN" altLang="en-US" sz="1400"/>
+          </a:p>
+          <a:p>
+            <a:pPr algn="l"/>
+            <a:r>
+              <a:rPr lang="zh-CN" altLang="en-US" b="1"/>
+              <a:t>_actions </a:t>
+            </a:r>
+            <a:r>
+              <a:rPr lang="en-US" altLang="zh-CN" sz="1600"/>
+              <a:t>—— </a:t>
+            </a:r>
+            <a:r>
+              <a:rPr lang="zh-CN" altLang="en-US" sz="1400"/>
+              <a:t>用于保存所有 action，里面会先包装一次</a:t>
+            </a:r>
+            <a:endParaRPr lang="zh-CN" altLang="en-US" sz="1400"/>
+          </a:p>
+          <a:p>
+            <a:pPr algn="l"/>
+            <a:r>
+              <a:rPr lang="zh-CN" altLang="en-US" b="1"/>
+              <a:t>_actionSubscribers</a:t>
+            </a:r>
+            <a:r>
+              <a:rPr lang="zh-CN" altLang="en-US" sz="1600"/>
+              <a:t> </a:t>
+            </a:r>
+            <a:r>
+              <a:rPr lang="en-US" altLang="zh-CN" sz="1600"/>
+              <a:t>—— </a:t>
+            </a:r>
+            <a:r>
+              <a:rPr lang="zh-CN" altLang="en-US" sz="1400"/>
+              <a:t>用于保存订阅 action 的回调</a:t>
+            </a:r>
+            <a:endParaRPr lang="zh-CN" altLang="en-US" sz="1400"/>
+          </a:p>
+          <a:p>
+            <a:pPr algn="l"/>
+            <a:r>
+              <a:rPr lang="zh-CN" altLang="en-US" sz="1600" b="1"/>
+              <a:t>_mutations </a:t>
+            </a:r>
+            <a:r>
+              <a:rPr lang="en-US" altLang="zh-CN" sz="1400"/>
+              <a:t>—— </a:t>
+            </a:r>
+            <a:r>
+              <a:rPr lang="zh-CN" altLang="en-US" sz="1400"/>
+              <a:t>用于保存所有的 mutation，里面会先包装一次</a:t>
+            </a:r>
+            <a:endParaRPr lang="zh-CN" altLang="en-US" sz="1400"/>
+          </a:p>
+          <a:p>
+            <a:pPr algn="l">
+              <a:buNone/>
+            </a:pPr>
+            <a:r>
+              <a:rPr lang="zh-CN" altLang="en-US" b="1"/>
+              <a:t>_wrappedGetters</a:t>
+            </a:r>
+            <a:r>
+              <a:rPr lang="zh-CN" altLang="en-US" sz="1600"/>
+              <a:t> </a:t>
+            </a:r>
+            <a:r>
+              <a:rPr lang="en-US" altLang="zh-CN" sz="1600"/>
+              <a:t>——</a:t>
+            </a:r>
+            <a:r>
+              <a:rPr lang="zh-CN" altLang="en-US" sz="1600"/>
+              <a:t> </a:t>
+            </a:r>
+            <a:r>
+              <a:rPr lang="zh-CN" altLang="en-US" sz="1400"/>
+              <a:t>用于保存包装后的 getter</a:t>
+            </a:r>
+            <a:endParaRPr lang="zh-CN" altLang="en-US" sz="1400"/>
+          </a:p>
+          <a:p>
+            <a:pPr algn="l"/>
+            <a:r>
+              <a:rPr lang="zh-CN" altLang="en-US" b="1"/>
+              <a:t>_modules</a:t>
+            </a:r>
+            <a:r>
+              <a:rPr lang="zh-CN" altLang="en-US" sz="1600"/>
+              <a:t> </a:t>
+            </a:r>
+            <a:r>
+              <a:rPr lang="en-US" altLang="zh-CN" sz="1600"/>
+              <a:t>——</a:t>
+            </a:r>
+            <a:r>
+              <a:rPr lang="zh-CN" altLang="en-US" sz="1600"/>
+              <a:t> </a:t>
+            </a:r>
+            <a:r>
+              <a:rPr lang="zh-CN" altLang="en-US" sz="1400"/>
+              <a:t>用于保存 module 树</a:t>
+            </a:r>
+            <a:endParaRPr lang="zh-CN" altLang="en-US" sz="1400"/>
+          </a:p>
+          <a:p>
+            <a:pPr algn="l"/>
+            <a:r>
+              <a:rPr lang="zh-CN" altLang="en-US" b="1"/>
+              <a:t>_modulesNamespaceMap</a:t>
+            </a:r>
+            <a:r>
+              <a:rPr lang="zh-CN" altLang="en-US" sz="1600"/>
+              <a:t> </a:t>
+            </a:r>
+            <a:r>
+              <a:rPr lang="en-US" altLang="zh-CN" sz="1600"/>
+              <a:t>—— </a:t>
+            </a:r>
+            <a:r>
+              <a:rPr lang="zh-CN" altLang="en-US" sz="1400"/>
+              <a:t>用于保存 namespaced 的模块</a:t>
+            </a:r>
+            <a:endParaRPr lang="zh-CN" altLang="en-US" sz="1400"/>
+          </a:p>
+        </p:txBody>
+      </p:sp>
     </p:spTree>
-    <p:extLst>
-      <p:ext uri="{BB962C8B-B14F-4D97-AF65-F5344CB8AC3E}">
-        <p14:creationId xmlns:p14="http://schemas.microsoft.com/office/powerpoint/2010/main" val="2072901938"/>
-      </p:ext>
-    </p:extLst>
   </p:cSld>
   <p:clrMapOvr>
     <a:masterClrMapping/>
@@ -3854,19 +3594,13 @@
       </p:grpSpPr>
       <p:sp>
         <p:nvSpPr>
-          <p:cNvPr id="2" name="文本框 1">
-            <a:extLst>
-              <a:ext uri="{FF2B5EF4-FFF2-40B4-BE49-F238E27FC236}">
-                <a16:creationId xmlns:a16="http://schemas.microsoft.com/office/drawing/2014/main" id="{B2065E3B-C5A7-4BA1-8478-9431B412DC5B}"/>
-              </a:ext>
-            </a:extLst>
-          </p:cNvPr>
+          <p:cNvPr id="2" name="文本框 1"/>
           <p:cNvSpPr txBox="1"/>
           <p:nvPr/>
         </p:nvSpPr>
         <p:spPr>
           <a:xfrm>
-            <a:off x="1704513" y="1225118"/>
+            <a:off x="1014903" y="1233373"/>
             <a:ext cx="1107996" cy="369332"/>
           </a:xfrm>
           <a:prstGeom prst="rect">
@@ -3884,25 +3618,20 @@
               <a:rPr lang="zh-CN" altLang="en-US" dirty="0"/>
               <a:t>模块收集</a:t>
             </a:r>
+            <a:endParaRPr lang="zh-CN" altLang="en-US" dirty="0"/>
           </a:p>
         </p:txBody>
       </p:sp>
       <p:pic>
         <p:nvPicPr>
-          <p:cNvPr id="4" name="图片 3">
-            <a:extLst>
-              <a:ext uri="{FF2B5EF4-FFF2-40B4-BE49-F238E27FC236}">
-                <a16:creationId xmlns:a16="http://schemas.microsoft.com/office/drawing/2014/main" id="{DF7BCE9D-C2AA-449F-86C5-604BC95096DB}"/>
-              </a:ext>
-            </a:extLst>
-          </p:cNvPr>
+          <p:cNvPr id="4" name="图片 3"/>
           <p:cNvPicPr>
             <a:picLocks noChangeAspect="1"/>
           </p:cNvPicPr>
           <p:nvPr/>
         </p:nvPicPr>
         <p:blipFill>
-          <a:blip r:embed="rId2"/>
+          <a:blip r:embed="rId1"/>
           <a:stretch>
             <a:fillRect/>
           </a:stretch>
@@ -3919,13 +3648,7 @@
       </p:pic>
       <p:sp>
         <p:nvSpPr>
-          <p:cNvPr id="9" name="文本框 8">
-            <a:extLst>
-              <a:ext uri="{FF2B5EF4-FFF2-40B4-BE49-F238E27FC236}">
-                <a16:creationId xmlns:a16="http://schemas.microsoft.com/office/drawing/2014/main" id="{0DF5FF03-8FB9-47BD-BB69-5D1C6E7D020F}"/>
-              </a:ext>
-            </a:extLst>
-          </p:cNvPr>
+          <p:cNvPr id="9" name="文本框 8"/>
           <p:cNvSpPr txBox="1"/>
           <p:nvPr/>
         </p:nvSpPr>
@@ -4018,11 +3741,6 @@
         </p:txBody>
       </p:sp>
     </p:spTree>
-    <p:extLst>
-      <p:ext uri="{BB962C8B-B14F-4D97-AF65-F5344CB8AC3E}">
-        <p14:creationId xmlns:p14="http://schemas.microsoft.com/office/powerpoint/2010/main" val="459565448"/>
-      </p:ext>
-    </p:extLst>
   </p:cSld>
   <p:clrMapOvr>
     <a:masterClrMapping/>
@@ -4049,13 +3767,7 @@
       </p:grpSpPr>
       <p:sp>
         <p:nvSpPr>
-          <p:cNvPr id="2" name="文本框 1">
-            <a:extLst>
-              <a:ext uri="{FF2B5EF4-FFF2-40B4-BE49-F238E27FC236}">
-                <a16:creationId xmlns:a16="http://schemas.microsoft.com/office/drawing/2014/main" id="{3861649A-6859-4DF4-846C-6DF26BED1D9C}"/>
-              </a:ext>
-            </a:extLst>
-          </p:cNvPr>
+          <p:cNvPr id="2" name="文本框 1"/>
           <p:cNvSpPr txBox="1"/>
           <p:nvPr/>
         </p:nvSpPr>
@@ -4079,25 +3791,20 @@
               <a:rPr lang="zh-CN" altLang="en-US" dirty="0"/>
               <a:t>模块安装</a:t>
             </a:r>
+            <a:endParaRPr lang="zh-CN" altLang="en-US" dirty="0"/>
           </a:p>
         </p:txBody>
       </p:sp>
       <p:pic>
         <p:nvPicPr>
-          <p:cNvPr id="4" name="图片 3">
-            <a:extLst>
-              <a:ext uri="{FF2B5EF4-FFF2-40B4-BE49-F238E27FC236}">
-                <a16:creationId xmlns:a16="http://schemas.microsoft.com/office/drawing/2014/main" id="{5A6E522E-18F5-40F4-BB0B-C6B8D611B708}"/>
-              </a:ext>
-            </a:extLst>
-          </p:cNvPr>
+          <p:cNvPr id="4" name="图片 3"/>
           <p:cNvPicPr>
             <a:picLocks noChangeAspect="1"/>
           </p:cNvPicPr>
           <p:nvPr/>
         </p:nvPicPr>
         <p:blipFill>
-          <a:blip r:embed="rId2"/>
+          <a:blip r:embed="rId1"/>
           <a:stretch>
             <a:fillRect/>
           </a:stretch>
@@ -4114,13 +3821,7 @@
       </p:pic>
       <p:sp>
         <p:nvSpPr>
-          <p:cNvPr id="7" name="文本框 6">
-            <a:extLst>
-              <a:ext uri="{FF2B5EF4-FFF2-40B4-BE49-F238E27FC236}">
-                <a16:creationId xmlns:a16="http://schemas.microsoft.com/office/drawing/2014/main" id="{2EAC8176-8527-4BFF-B631-F6A1C1A26B19}"/>
-              </a:ext>
-            </a:extLst>
-          </p:cNvPr>
+          <p:cNvPr id="7" name="文本框 6"/>
           <p:cNvSpPr txBox="1"/>
           <p:nvPr/>
         </p:nvSpPr>
@@ -4268,15 +3969,11 @@
               <a:rPr lang="zh-CN" altLang="en-US" dirty="0"/>
               <a:t>上</a:t>
             </a:r>
+            <a:endParaRPr lang="zh-CN" altLang="en-US" dirty="0"/>
           </a:p>
         </p:txBody>
       </p:sp>
     </p:spTree>
-    <p:extLst>
-      <p:ext uri="{BB962C8B-B14F-4D97-AF65-F5344CB8AC3E}">
-        <p14:creationId xmlns:p14="http://schemas.microsoft.com/office/powerpoint/2010/main" val="474942269"/>
-      </p:ext>
-    </p:extLst>
   </p:cSld>
   <p:clrMapOvr>
     <a:masterClrMapping/>
@@ -4303,20 +4000,14 @@
       </p:grpSpPr>
       <p:pic>
         <p:nvPicPr>
-          <p:cNvPr id="2" name="图片 1">
-            <a:extLst>
-              <a:ext uri="{FF2B5EF4-FFF2-40B4-BE49-F238E27FC236}">
-                <a16:creationId xmlns:a16="http://schemas.microsoft.com/office/drawing/2014/main" id="{8745CB79-472F-46BD-B9EC-86EF479B087A}"/>
-              </a:ext>
-            </a:extLst>
-          </p:cNvPr>
+          <p:cNvPr id="2" name="图片 1"/>
           <p:cNvPicPr>
             <a:picLocks noChangeAspect="1"/>
           </p:cNvPicPr>
           <p:nvPr/>
         </p:nvPicPr>
         <p:blipFill>
-          <a:blip r:embed="rId2"/>
+          <a:blip r:embed="rId1"/>
           <a:stretch>
             <a:fillRect/>
           </a:stretch>
@@ -4333,13 +4024,7 @@
       </p:pic>
       <p:sp>
         <p:nvSpPr>
-          <p:cNvPr id="3" name="文本框 2">
-            <a:extLst>
-              <a:ext uri="{FF2B5EF4-FFF2-40B4-BE49-F238E27FC236}">
-                <a16:creationId xmlns:a16="http://schemas.microsoft.com/office/drawing/2014/main" id="{A8F0338A-DF85-4465-9529-6DFB57379648}"/>
-              </a:ext>
-            </a:extLst>
-          </p:cNvPr>
+          <p:cNvPr id="3" name="文本框 2"/>
           <p:cNvSpPr txBox="1"/>
           <p:nvPr/>
         </p:nvSpPr>
@@ -4419,15 +4104,11 @@
               <a:rPr lang="zh-CN" altLang="en-US" dirty="0"/>
               <a:t>注册时执行时参数比较多</a:t>
             </a:r>
+            <a:endParaRPr lang="zh-CN" altLang="en-US" dirty="0"/>
           </a:p>
         </p:txBody>
       </p:sp>
     </p:spTree>
-    <p:extLst>
-      <p:ext uri="{BB962C8B-B14F-4D97-AF65-F5344CB8AC3E}">
-        <p14:creationId xmlns:p14="http://schemas.microsoft.com/office/powerpoint/2010/main" val="1286172845"/>
-      </p:ext>
-    </p:extLst>
   </p:cSld>
   <p:clrMapOvr>
     <a:masterClrMapping/>
@@ -4454,13 +4135,7 @@
       </p:grpSpPr>
       <p:sp>
         <p:nvSpPr>
-          <p:cNvPr id="2" name="文本框 1">
-            <a:extLst>
-              <a:ext uri="{FF2B5EF4-FFF2-40B4-BE49-F238E27FC236}">
-                <a16:creationId xmlns:a16="http://schemas.microsoft.com/office/drawing/2014/main" id="{B8A38959-585E-4C0F-A792-6E96AE757C02}"/>
-              </a:ext>
-            </a:extLst>
-          </p:cNvPr>
+          <p:cNvPr id="2" name="文本框 1"/>
           <p:cNvSpPr txBox="1"/>
           <p:nvPr/>
         </p:nvSpPr>
@@ -4496,25 +4171,20 @@
               <a:rPr lang="zh-CN" altLang="en-US" dirty="0"/>
               <a:t>具体实现</a:t>
             </a:r>
+            <a:endParaRPr lang="zh-CN" altLang="en-US" dirty="0"/>
           </a:p>
         </p:txBody>
       </p:sp>
       <p:pic>
         <p:nvPicPr>
-          <p:cNvPr id="4" name="图片 3">
-            <a:extLst>
-              <a:ext uri="{FF2B5EF4-FFF2-40B4-BE49-F238E27FC236}">
-                <a16:creationId xmlns:a16="http://schemas.microsoft.com/office/drawing/2014/main" id="{D1CF4520-A213-4D37-8242-0AF94D81B99B}"/>
-              </a:ext>
-            </a:extLst>
-          </p:cNvPr>
+          <p:cNvPr id="4" name="图片 3"/>
           <p:cNvPicPr>
             <a:picLocks noChangeAspect="1"/>
           </p:cNvPicPr>
           <p:nvPr/>
         </p:nvPicPr>
         <p:blipFill>
-          <a:blip r:embed="rId2"/>
+          <a:blip r:embed="rId1"/>
           <a:stretch>
             <a:fillRect/>
           </a:stretch>
@@ -4531,13 +4201,7 @@
       </p:pic>
       <p:sp>
         <p:nvSpPr>
-          <p:cNvPr id="5" name="文本框 4">
-            <a:extLst>
-              <a:ext uri="{FF2B5EF4-FFF2-40B4-BE49-F238E27FC236}">
-                <a16:creationId xmlns:a16="http://schemas.microsoft.com/office/drawing/2014/main" id="{24E77771-FBBA-47EC-A7BC-530321D95CAA}"/>
-              </a:ext>
-            </a:extLst>
-          </p:cNvPr>
+          <p:cNvPr id="5" name="文本框 4"/>
           <p:cNvSpPr txBox="1"/>
           <p:nvPr/>
         </p:nvSpPr>
@@ -4563,13 +4227,7 @@
       </p:sp>
       <p:sp>
         <p:nvSpPr>
-          <p:cNvPr id="6" name="文本框 5">
-            <a:extLst>
-              <a:ext uri="{FF2B5EF4-FFF2-40B4-BE49-F238E27FC236}">
-                <a16:creationId xmlns:a16="http://schemas.microsoft.com/office/drawing/2014/main" id="{876D5EFB-EC7B-4FEB-8E62-D0E3798E3FD0}"/>
-              </a:ext>
-            </a:extLst>
-          </p:cNvPr>
+          <p:cNvPr id="6" name="文本框 5"/>
           <p:cNvSpPr txBox="1"/>
           <p:nvPr/>
         </p:nvSpPr>
@@ -4665,15 +4323,11 @@
               <a:rPr lang="zh-CN" altLang="en-US" dirty="0"/>
               <a:t>的订阅函数</a:t>
             </a:r>
+            <a:endParaRPr lang="zh-CN" altLang="en-US" dirty="0"/>
           </a:p>
         </p:txBody>
       </p:sp>
     </p:spTree>
-    <p:extLst>
-      <p:ext uri="{BB962C8B-B14F-4D97-AF65-F5344CB8AC3E}">
-        <p14:creationId xmlns:p14="http://schemas.microsoft.com/office/powerpoint/2010/main" val="1106802866"/>
-      </p:ext>
-    </p:extLst>
   </p:cSld>
   <p:clrMapOvr>
     <a:masterClrMapping/>
@@ -4700,20 +4354,14 @@
       </p:grpSpPr>
       <p:pic>
         <p:nvPicPr>
-          <p:cNvPr id="3" name="图片 2">
-            <a:extLst>
-              <a:ext uri="{FF2B5EF4-FFF2-40B4-BE49-F238E27FC236}">
-                <a16:creationId xmlns:a16="http://schemas.microsoft.com/office/drawing/2014/main" id="{5BBAB04D-71A3-4491-9EA2-61C18A5EF941}"/>
-              </a:ext>
-            </a:extLst>
-          </p:cNvPr>
+          <p:cNvPr id="3" name="图片 2"/>
           <p:cNvPicPr>
             <a:picLocks noChangeAspect="1"/>
           </p:cNvPicPr>
           <p:nvPr/>
         </p:nvPicPr>
         <p:blipFill>
-          <a:blip r:embed="rId2"/>
+          <a:blip r:embed="rId1"/>
           <a:stretch>
             <a:fillRect/>
           </a:stretch>
@@ -4730,13 +4378,7 @@
       </p:pic>
       <p:sp>
         <p:nvSpPr>
-          <p:cNvPr id="4" name="文本框 3">
-            <a:extLst>
-              <a:ext uri="{FF2B5EF4-FFF2-40B4-BE49-F238E27FC236}">
-                <a16:creationId xmlns:a16="http://schemas.microsoft.com/office/drawing/2014/main" id="{D794BEC7-8529-4B4D-9172-27BFC2D33C7E}"/>
-              </a:ext>
-            </a:extLst>
-          </p:cNvPr>
+          <p:cNvPr id="4" name="文本框 3"/>
           <p:cNvSpPr txBox="1"/>
           <p:nvPr/>
         </p:nvSpPr>
@@ -4788,15 +4430,11 @@
               <a:rPr lang="zh-CN" altLang="en-US" dirty="0"/>
               <a:t>包裹，否则直接执行，然后返回执行结果</a:t>
             </a:r>
+            <a:endParaRPr lang="zh-CN" altLang="en-US" dirty="0"/>
           </a:p>
         </p:txBody>
       </p:sp>
     </p:spTree>
-    <p:extLst>
-      <p:ext uri="{BB962C8B-B14F-4D97-AF65-F5344CB8AC3E}">
-        <p14:creationId xmlns:p14="http://schemas.microsoft.com/office/powerpoint/2010/main" val="575596500"/>
-      </p:ext>
-    </p:extLst>
   </p:cSld>
   <p:clrMapOvr>
     <a:masterClrMapping/>
@@ -4823,13 +4461,7 @@
       </p:grpSpPr>
       <p:sp>
         <p:nvSpPr>
-          <p:cNvPr id="2" name="文本框 1">
-            <a:extLst>
-              <a:ext uri="{FF2B5EF4-FFF2-40B4-BE49-F238E27FC236}">
-                <a16:creationId xmlns:a16="http://schemas.microsoft.com/office/drawing/2014/main" id="{AF2C69E8-BE24-4A83-95F5-84F1DEFE5BEA}"/>
-              </a:ext>
-            </a:extLst>
-          </p:cNvPr>
+          <p:cNvPr id="2" name="文本框 1"/>
           <p:cNvSpPr txBox="1"/>
           <p:nvPr/>
         </p:nvSpPr>
@@ -4871,20 +4503,14 @@
       </p:sp>
       <p:pic>
         <p:nvPicPr>
-          <p:cNvPr id="4" name="图片 3">
-            <a:extLst>
-              <a:ext uri="{FF2B5EF4-FFF2-40B4-BE49-F238E27FC236}">
-                <a16:creationId xmlns:a16="http://schemas.microsoft.com/office/drawing/2014/main" id="{1D8D6260-FA94-4004-AAE9-97DED2BD46B3}"/>
-              </a:ext>
-            </a:extLst>
-          </p:cNvPr>
+          <p:cNvPr id="4" name="图片 3"/>
           <p:cNvPicPr>
             <a:picLocks noChangeAspect="1"/>
           </p:cNvPicPr>
           <p:nvPr/>
         </p:nvPicPr>
         <p:blipFill>
-          <a:blip r:embed="rId2"/>
+          <a:blip r:embed="rId1"/>
           <a:stretch>
             <a:fillRect/>
           </a:stretch>
@@ -4901,13 +4527,7 @@
       </p:pic>
       <p:sp>
         <p:nvSpPr>
-          <p:cNvPr id="5" name="文本框 4">
-            <a:extLst>
-              <a:ext uri="{FF2B5EF4-FFF2-40B4-BE49-F238E27FC236}">
-                <a16:creationId xmlns:a16="http://schemas.microsoft.com/office/drawing/2014/main" id="{6F708F87-B105-4065-962C-BC14EA7C7842}"/>
-              </a:ext>
-            </a:extLst>
-          </p:cNvPr>
+          <p:cNvPr id="5" name="文本框 4"/>
           <p:cNvSpPr txBox="1"/>
           <p:nvPr/>
         </p:nvSpPr>
@@ -5169,11 +4789,6 @@
         </p:txBody>
       </p:sp>
     </p:spTree>
-    <p:extLst>
-      <p:ext uri="{BB962C8B-B14F-4D97-AF65-F5344CB8AC3E}">
-        <p14:creationId xmlns:p14="http://schemas.microsoft.com/office/powerpoint/2010/main" val="3450983232"/>
-      </p:ext>
-    </p:extLst>
   </p:cSld>
   <p:clrMapOvr>
     <a:masterClrMapping/>
@@ -5224,7 +4839,7 @@
     </a:clrScheme>
     <a:fontScheme name="Office">
       <a:majorFont>
-        <a:latin typeface="等线 Light" panose="020F0302020204030204"/>
+        <a:latin typeface="等线 Light"/>
         <a:ea typeface=""/>
         <a:cs typeface=""/>
         <a:font script="Jpan" typeface="游ゴシック Light"/>
@@ -5257,26 +4872,9 @@
         <a:font script="Viet" typeface="Times New Roman"/>
         <a:font script="Uigh" typeface="Microsoft Uighur"/>
         <a:font script="Geor" typeface="Sylfaen"/>
-        <a:font script="Armn" typeface="Arial"/>
-        <a:font script="Bugi" typeface="Leelawadee UI"/>
-        <a:font script="Bopo" typeface="Microsoft JhengHei"/>
-        <a:font script="Java" typeface="Javanese Text"/>
-        <a:font script="Lisu" typeface="Segoe UI"/>
-        <a:font script="Mymr" typeface="Myanmar Text"/>
-        <a:font script="Nkoo" typeface="Ebrima"/>
-        <a:font script="Olck" typeface="Nirmala UI"/>
-        <a:font script="Osma" typeface="Ebrima"/>
-        <a:font script="Phag" typeface="Phagspa"/>
-        <a:font script="Syrn" typeface="Estrangelo Edessa"/>
-        <a:font script="Syrj" typeface="Estrangelo Edessa"/>
-        <a:font script="Syre" typeface="Estrangelo Edessa"/>
-        <a:font script="Sora" typeface="Nirmala UI"/>
-        <a:font script="Tale" typeface="Microsoft Tai Le"/>
-        <a:font script="Talu" typeface="Microsoft New Tai Lue"/>
-        <a:font script="Tfng" typeface="Ebrima"/>
       </a:majorFont>
       <a:minorFont>
-        <a:latin typeface="等线" panose="020F0502020204030204"/>
+        <a:latin typeface="等线"/>
         <a:ea typeface=""/>
         <a:cs typeface=""/>
         <a:font script="Jpan" typeface="游ゴシック"/>
@@ -5309,23 +4907,6 @@
         <a:font script="Viet" typeface="Arial"/>
         <a:font script="Uigh" typeface="Microsoft Uighur"/>
         <a:font script="Geor" typeface="Sylfaen"/>
-        <a:font script="Armn" typeface="Arial"/>
-        <a:font script="Bugi" typeface="Leelawadee UI"/>
-        <a:font script="Bopo" typeface="Microsoft JhengHei"/>
-        <a:font script="Java" typeface="Javanese Text"/>
-        <a:font script="Lisu" typeface="Segoe UI"/>
-        <a:font script="Mymr" typeface="Myanmar Text"/>
-        <a:font script="Nkoo" typeface="Ebrima"/>
-        <a:font script="Olck" typeface="Nirmala UI"/>
-        <a:font script="Osma" typeface="Ebrima"/>
-        <a:font script="Phag" typeface="Phagspa"/>
-        <a:font script="Syrn" typeface="Estrangelo Edessa"/>
-        <a:font script="Syrj" typeface="Estrangelo Edessa"/>
-        <a:font script="Syre" typeface="Estrangelo Edessa"/>
-        <a:font script="Sora" typeface="Nirmala UI"/>
-        <a:font script="Tale" typeface="Microsoft Tai Le"/>
-        <a:font script="Talu" typeface="Microsoft New Tai Lue"/>
-        <a:font script="Tfng" typeface="Ebrima"/>
       </a:minorFont>
     </a:fontScheme>
     <a:fmtScheme name="Office">
